--- a/ma7/j2/p/04-alkuluvut/ma7j2_reppu_tekijapuu.pptx
+++ b/ma7/j2/p/04-alkuluvut/ma7j2_reppu_tekijapuu.pptx
@@ -23,6 +23,9 @@
     <p:sldId id="263" r:id="rId17"/>
     <p:sldId id="258" r:id="rId18"/>
     <p:sldId id="260" r:id="rId19"/>
+    <p:sldId id="274" r:id="rId20"/>
+    <p:sldId id="275" r:id="rId21"/>
+    <p:sldId id="276" r:id="rId22"/>
   </p:sldIdLst>
   <p:sldSz cx="12192000" cy="6858000"/>
   <p:notesSz cx="6858000" cy="9144000"/>
@@ -123,7 +126,18 @@
   </p:defaultTextStyle>
   <p:extLst>
     <p:ext uri="{EFAFB233-063F-42B5-8137-9DF3F51BA10A}">
-      <p15:sldGuideLst xmlns:p15="http://schemas.microsoft.com/office/powerpoint/2012/main"/>
+      <p15:sldGuideLst xmlns:p15="http://schemas.microsoft.com/office/powerpoint/2012/main">
+        <p15:guide id="1" orient="horz" pos="2160" userDrawn="1">
+          <p15:clr>
+            <a:srgbClr val="A4A3A4"/>
+          </p15:clr>
+        </p15:guide>
+        <p15:guide id="2" pos="3840" userDrawn="1">
+          <p15:clr>
+            <a:srgbClr val="A4A3A4"/>
+          </p15:clr>
+        </p15:guide>
+      </p15:sldGuideLst>
     </p:ext>
   </p:extLst>
 </p:presentation>
@@ -171,10 +185,9 @@
           </a:lstStyle>
           <a:p>
             <a:r>
-              <a:rPr lang="fi-FI" smtClean="0"/>
+              <a:rPr lang="fi-FI"/>
               <a:t>Muokkaa perustyyl. napsautt.</a:t>
             </a:r>
-            <a:endParaRPr lang="fi-FI"/>
           </a:p>
         </p:txBody>
       </p:sp>
@@ -236,10 +249,9 @@
           </a:lstStyle>
           <a:p>
             <a:r>
-              <a:rPr lang="fi-FI" smtClean="0"/>
+              <a:rPr lang="fi-FI"/>
               <a:t>Muokkaa alaotsikon perustyyliä napsautt.</a:t>
             </a:r>
-            <a:endParaRPr lang="fi-FI"/>
           </a:p>
         </p:txBody>
       </p:sp>
@@ -260,7 +272,7 @@
           <a:p>
             <a:fld id="{80C1FB36-DF57-4929-AD6B-C0C1101782BB}" type="datetimeFigureOut">
               <a:rPr lang="fi-FI" smtClean="0"/>
-              <a:t>9.12.2019</a:t>
+              <a:t>22.4.2024</a:t>
             </a:fld>
             <a:endParaRPr lang="fi-FI"/>
           </a:p>
@@ -354,10 +366,9 @@
           <a:lstStyle/>
           <a:p>
             <a:r>
-              <a:rPr lang="fi-FI" smtClean="0"/>
+              <a:rPr lang="fi-FI"/>
               <a:t>Muokkaa perustyyl. napsautt.</a:t>
             </a:r>
-            <a:endParaRPr lang="fi-FI"/>
           </a:p>
         </p:txBody>
       </p:sp>
@@ -378,38 +389,37 @@
           <a:p>
             <a:pPr lvl="0"/>
             <a:r>
-              <a:rPr lang="fi-FI" smtClean="0"/>
+              <a:rPr lang="fi-FI"/>
               <a:t>Muokkaa tekstin perustyylejä napsauttamalla</a:t>
             </a:r>
           </a:p>
           <a:p>
             <a:pPr lvl="1"/>
             <a:r>
-              <a:rPr lang="fi-FI" smtClean="0"/>
+              <a:rPr lang="fi-FI"/>
               <a:t>toinen taso</a:t>
             </a:r>
           </a:p>
           <a:p>
             <a:pPr lvl="2"/>
             <a:r>
-              <a:rPr lang="fi-FI" smtClean="0"/>
+              <a:rPr lang="fi-FI"/>
               <a:t>kolmas taso</a:t>
             </a:r>
           </a:p>
           <a:p>
             <a:pPr lvl="3"/>
             <a:r>
-              <a:rPr lang="fi-FI" smtClean="0"/>
+              <a:rPr lang="fi-FI"/>
               <a:t>neljäs taso</a:t>
             </a:r>
           </a:p>
           <a:p>
             <a:pPr lvl="4"/>
             <a:r>
-              <a:rPr lang="fi-FI" smtClean="0"/>
+              <a:rPr lang="fi-FI"/>
               <a:t>viides taso</a:t>
             </a:r>
-            <a:endParaRPr lang="fi-FI"/>
           </a:p>
         </p:txBody>
       </p:sp>
@@ -430,7 +440,7 @@
           <a:p>
             <a:fld id="{80C1FB36-DF57-4929-AD6B-C0C1101782BB}" type="datetimeFigureOut">
               <a:rPr lang="fi-FI" smtClean="0"/>
-              <a:t>9.12.2019</a:t>
+              <a:t>22.4.2024</a:t>
             </a:fld>
             <a:endParaRPr lang="fi-FI"/>
           </a:p>
@@ -529,10 +539,9 @@
           <a:lstStyle/>
           <a:p>
             <a:r>
-              <a:rPr lang="fi-FI" smtClean="0"/>
+              <a:rPr lang="fi-FI"/>
               <a:t>Muokkaa perustyyl. napsautt.</a:t>
             </a:r>
-            <a:endParaRPr lang="fi-FI"/>
           </a:p>
         </p:txBody>
       </p:sp>
@@ -558,38 +567,37 @@
           <a:p>
             <a:pPr lvl="0"/>
             <a:r>
-              <a:rPr lang="fi-FI" smtClean="0"/>
+              <a:rPr lang="fi-FI"/>
               <a:t>Muokkaa tekstin perustyylejä napsauttamalla</a:t>
             </a:r>
           </a:p>
           <a:p>
             <a:pPr lvl="1"/>
             <a:r>
-              <a:rPr lang="fi-FI" smtClean="0"/>
+              <a:rPr lang="fi-FI"/>
               <a:t>toinen taso</a:t>
             </a:r>
           </a:p>
           <a:p>
             <a:pPr lvl="2"/>
             <a:r>
-              <a:rPr lang="fi-FI" smtClean="0"/>
+              <a:rPr lang="fi-FI"/>
               <a:t>kolmas taso</a:t>
             </a:r>
           </a:p>
           <a:p>
             <a:pPr lvl="3"/>
             <a:r>
-              <a:rPr lang="fi-FI" smtClean="0"/>
+              <a:rPr lang="fi-FI"/>
               <a:t>neljäs taso</a:t>
             </a:r>
           </a:p>
           <a:p>
             <a:pPr lvl="4"/>
             <a:r>
-              <a:rPr lang="fi-FI" smtClean="0"/>
+              <a:rPr lang="fi-FI"/>
               <a:t>viides taso</a:t>
             </a:r>
-            <a:endParaRPr lang="fi-FI"/>
           </a:p>
         </p:txBody>
       </p:sp>
@@ -610,7 +618,7 @@
           <a:p>
             <a:fld id="{80C1FB36-DF57-4929-AD6B-C0C1101782BB}" type="datetimeFigureOut">
               <a:rPr lang="fi-FI" smtClean="0"/>
-              <a:t>9.12.2019</a:t>
+              <a:t>22.4.2024</a:t>
             </a:fld>
             <a:endParaRPr lang="fi-FI"/>
           </a:p>
@@ -704,10 +712,9 @@
           <a:lstStyle/>
           <a:p>
             <a:r>
-              <a:rPr lang="fi-FI" smtClean="0"/>
+              <a:rPr lang="fi-FI"/>
               <a:t>Muokkaa perustyyl. napsautt.</a:t>
             </a:r>
-            <a:endParaRPr lang="fi-FI"/>
           </a:p>
         </p:txBody>
       </p:sp>
@@ -728,38 +735,37 @@
           <a:p>
             <a:pPr lvl="0"/>
             <a:r>
-              <a:rPr lang="fi-FI" smtClean="0"/>
+              <a:rPr lang="fi-FI"/>
               <a:t>Muokkaa tekstin perustyylejä napsauttamalla</a:t>
             </a:r>
           </a:p>
           <a:p>
             <a:pPr lvl="1"/>
             <a:r>
-              <a:rPr lang="fi-FI" smtClean="0"/>
+              <a:rPr lang="fi-FI"/>
               <a:t>toinen taso</a:t>
             </a:r>
           </a:p>
           <a:p>
             <a:pPr lvl="2"/>
             <a:r>
-              <a:rPr lang="fi-FI" smtClean="0"/>
+              <a:rPr lang="fi-FI"/>
               <a:t>kolmas taso</a:t>
             </a:r>
           </a:p>
           <a:p>
             <a:pPr lvl="3"/>
             <a:r>
-              <a:rPr lang="fi-FI" smtClean="0"/>
+              <a:rPr lang="fi-FI"/>
               <a:t>neljäs taso</a:t>
             </a:r>
           </a:p>
           <a:p>
             <a:pPr lvl="4"/>
             <a:r>
-              <a:rPr lang="fi-FI" smtClean="0"/>
+              <a:rPr lang="fi-FI"/>
               <a:t>viides taso</a:t>
             </a:r>
-            <a:endParaRPr lang="fi-FI"/>
           </a:p>
         </p:txBody>
       </p:sp>
@@ -780,7 +786,7 @@
           <a:p>
             <a:fld id="{80C1FB36-DF57-4929-AD6B-C0C1101782BB}" type="datetimeFigureOut">
               <a:rPr lang="fi-FI" smtClean="0"/>
-              <a:t>9.12.2019</a:t>
+              <a:t>22.4.2024</a:t>
             </a:fld>
             <a:endParaRPr lang="fi-FI"/>
           </a:p>
@@ -883,10 +889,9 @@
           </a:lstStyle>
           <a:p>
             <a:r>
-              <a:rPr lang="fi-FI" smtClean="0"/>
+              <a:rPr lang="fi-FI"/>
               <a:t>Muokkaa perustyyl. napsautt.</a:t>
             </a:r>
-            <a:endParaRPr lang="fi-FI"/>
           </a:p>
         </p:txBody>
       </p:sp>
@@ -1003,7 +1008,7 @@
           <a:p>
             <a:pPr lvl="0"/>
             <a:r>
-              <a:rPr lang="fi-FI" smtClean="0"/>
+              <a:rPr lang="fi-FI"/>
               <a:t>Muokkaa tekstin perustyylejä napsauttamalla</a:t>
             </a:r>
           </a:p>
@@ -1026,7 +1031,7 @@
           <a:p>
             <a:fld id="{80C1FB36-DF57-4929-AD6B-C0C1101782BB}" type="datetimeFigureOut">
               <a:rPr lang="fi-FI" smtClean="0"/>
-              <a:t>9.12.2019</a:t>
+              <a:t>22.4.2024</a:t>
             </a:fld>
             <a:endParaRPr lang="fi-FI"/>
           </a:p>
@@ -1120,10 +1125,9 @@
           <a:lstStyle/>
           <a:p>
             <a:r>
-              <a:rPr lang="fi-FI" smtClean="0"/>
+              <a:rPr lang="fi-FI"/>
               <a:t>Muokkaa perustyyl. napsautt.</a:t>
             </a:r>
-            <a:endParaRPr lang="fi-FI"/>
           </a:p>
         </p:txBody>
       </p:sp>
@@ -1149,38 +1153,37 @@
           <a:p>
             <a:pPr lvl="0"/>
             <a:r>
-              <a:rPr lang="fi-FI" smtClean="0"/>
+              <a:rPr lang="fi-FI"/>
               <a:t>Muokkaa tekstin perustyylejä napsauttamalla</a:t>
             </a:r>
           </a:p>
           <a:p>
             <a:pPr lvl="1"/>
             <a:r>
-              <a:rPr lang="fi-FI" smtClean="0"/>
+              <a:rPr lang="fi-FI"/>
               <a:t>toinen taso</a:t>
             </a:r>
           </a:p>
           <a:p>
             <a:pPr lvl="2"/>
             <a:r>
-              <a:rPr lang="fi-FI" smtClean="0"/>
+              <a:rPr lang="fi-FI"/>
               <a:t>kolmas taso</a:t>
             </a:r>
           </a:p>
           <a:p>
             <a:pPr lvl="3"/>
             <a:r>
-              <a:rPr lang="fi-FI" smtClean="0"/>
+              <a:rPr lang="fi-FI"/>
               <a:t>neljäs taso</a:t>
             </a:r>
           </a:p>
           <a:p>
             <a:pPr lvl="4"/>
             <a:r>
-              <a:rPr lang="fi-FI" smtClean="0"/>
+              <a:rPr lang="fi-FI"/>
               <a:t>viides taso</a:t>
             </a:r>
-            <a:endParaRPr lang="fi-FI"/>
           </a:p>
         </p:txBody>
       </p:sp>
@@ -1206,38 +1209,37 @@
           <a:p>
             <a:pPr lvl="0"/>
             <a:r>
-              <a:rPr lang="fi-FI" smtClean="0"/>
+              <a:rPr lang="fi-FI"/>
               <a:t>Muokkaa tekstin perustyylejä napsauttamalla</a:t>
             </a:r>
           </a:p>
           <a:p>
             <a:pPr lvl="1"/>
             <a:r>
-              <a:rPr lang="fi-FI" smtClean="0"/>
+              <a:rPr lang="fi-FI"/>
               <a:t>toinen taso</a:t>
             </a:r>
           </a:p>
           <a:p>
             <a:pPr lvl="2"/>
             <a:r>
-              <a:rPr lang="fi-FI" smtClean="0"/>
+              <a:rPr lang="fi-FI"/>
               <a:t>kolmas taso</a:t>
             </a:r>
           </a:p>
           <a:p>
             <a:pPr lvl="3"/>
             <a:r>
-              <a:rPr lang="fi-FI" smtClean="0"/>
+              <a:rPr lang="fi-FI"/>
               <a:t>neljäs taso</a:t>
             </a:r>
           </a:p>
           <a:p>
             <a:pPr lvl="4"/>
             <a:r>
-              <a:rPr lang="fi-FI" smtClean="0"/>
+              <a:rPr lang="fi-FI"/>
               <a:t>viides taso</a:t>
             </a:r>
-            <a:endParaRPr lang="fi-FI"/>
           </a:p>
         </p:txBody>
       </p:sp>
@@ -1258,7 +1260,7 @@
           <a:p>
             <a:fld id="{80C1FB36-DF57-4929-AD6B-C0C1101782BB}" type="datetimeFigureOut">
               <a:rPr lang="fi-FI" smtClean="0"/>
-              <a:t>9.12.2019</a:t>
+              <a:t>22.4.2024</a:t>
             </a:fld>
             <a:endParaRPr lang="fi-FI"/>
           </a:p>
@@ -1357,10 +1359,9 @@
           <a:lstStyle/>
           <a:p>
             <a:r>
-              <a:rPr lang="fi-FI" smtClean="0"/>
+              <a:rPr lang="fi-FI"/>
               <a:t>Muokkaa perustyyl. napsautt.</a:t>
             </a:r>
-            <a:endParaRPr lang="fi-FI"/>
           </a:p>
         </p:txBody>
       </p:sp>
@@ -1423,7 +1424,7 @@
           <a:p>
             <a:pPr lvl="0"/>
             <a:r>
-              <a:rPr lang="fi-FI" smtClean="0"/>
+              <a:rPr lang="fi-FI"/>
               <a:t>Muokkaa tekstin perustyylejä napsauttamalla</a:t>
             </a:r>
           </a:p>
@@ -1451,38 +1452,37 @@
           <a:p>
             <a:pPr lvl="0"/>
             <a:r>
-              <a:rPr lang="fi-FI" smtClean="0"/>
+              <a:rPr lang="fi-FI"/>
               <a:t>Muokkaa tekstin perustyylejä napsauttamalla</a:t>
             </a:r>
           </a:p>
           <a:p>
             <a:pPr lvl="1"/>
             <a:r>
-              <a:rPr lang="fi-FI" smtClean="0"/>
+              <a:rPr lang="fi-FI"/>
               <a:t>toinen taso</a:t>
             </a:r>
           </a:p>
           <a:p>
             <a:pPr lvl="2"/>
             <a:r>
-              <a:rPr lang="fi-FI" smtClean="0"/>
+              <a:rPr lang="fi-FI"/>
               <a:t>kolmas taso</a:t>
             </a:r>
           </a:p>
           <a:p>
             <a:pPr lvl="3"/>
             <a:r>
-              <a:rPr lang="fi-FI" smtClean="0"/>
+              <a:rPr lang="fi-FI"/>
               <a:t>neljäs taso</a:t>
             </a:r>
           </a:p>
           <a:p>
             <a:pPr lvl="4"/>
             <a:r>
-              <a:rPr lang="fi-FI" smtClean="0"/>
+              <a:rPr lang="fi-FI"/>
               <a:t>viides taso</a:t>
             </a:r>
-            <a:endParaRPr lang="fi-FI"/>
           </a:p>
         </p:txBody>
       </p:sp>
@@ -1545,7 +1545,7 @@
           <a:p>
             <a:pPr lvl="0"/>
             <a:r>
-              <a:rPr lang="fi-FI" smtClean="0"/>
+              <a:rPr lang="fi-FI"/>
               <a:t>Muokkaa tekstin perustyylejä napsauttamalla</a:t>
             </a:r>
           </a:p>
@@ -1573,38 +1573,37 @@
           <a:p>
             <a:pPr lvl="0"/>
             <a:r>
-              <a:rPr lang="fi-FI" smtClean="0"/>
+              <a:rPr lang="fi-FI"/>
               <a:t>Muokkaa tekstin perustyylejä napsauttamalla</a:t>
             </a:r>
           </a:p>
           <a:p>
             <a:pPr lvl="1"/>
             <a:r>
-              <a:rPr lang="fi-FI" smtClean="0"/>
+              <a:rPr lang="fi-FI"/>
               <a:t>toinen taso</a:t>
             </a:r>
           </a:p>
           <a:p>
             <a:pPr lvl="2"/>
             <a:r>
-              <a:rPr lang="fi-FI" smtClean="0"/>
+              <a:rPr lang="fi-FI"/>
               <a:t>kolmas taso</a:t>
             </a:r>
           </a:p>
           <a:p>
             <a:pPr lvl="3"/>
             <a:r>
-              <a:rPr lang="fi-FI" smtClean="0"/>
+              <a:rPr lang="fi-FI"/>
               <a:t>neljäs taso</a:t>
             </a:r>
           </a:p>
           <a:p>
             <a:pPr lvl="4"/>
             <a:r>
-              <a:rPr lang="fi-FI" smtClean="0"/>
+              <a:rPr lang="fi-FI"/>
               <a:t>viides taso</a:t>
             </a:r>
-            <a:endParaRPr lang="fi-FI"/>
           </a:p>
         </p:txBody>
       </p:sp>
@@ -1625,7 +1624,7 @@
           <a:p>
             <a:fld id="{80C1FB36-DF57-4929-AD6B-C0C1101782BB}" type="datetimeFigureOut">
               <a:rPr lang="fi-FI" smtClean="0"/>
-              <a:t>9.12.2019</a:t>
+              <a:t>22.4.2024</a:t>
             </a:fld>
             <a:endParaRPr lang="fi-FI"/>
           </a:p>
@@ -1719,10 +1718,9 @@
           <a:lstStyle/>
           <a:p>
             <a:r>
-              <a:rPr lang="fi-FI" smtClean="0"/>
+              <a:rPr lang="fi-FI"/>
               <a:t>Muokkaa perustyyl. napsautt.</a:t>
             </a:r>
-            <a:endParaRPr lang="fi-FI"/>
           </a:p>
         </p:txBody>
       </p:sp>
@@ -1743,7 +1741,7 @@
           <a:p>
             <a:fld id="{80C1FB36-DF57-4929-AD6B-C0C1101782BB}" type="datetimeFigureOut">
               <a:rPr lang="fi-FI" smtClean="0"/>
-              <a:t>9.12.2019</a:t>
+              <a:t>22.4.2024</a:t>
             </a:fld>
             <a:endParaRPr lang="fi-FI"/>
           </a:p>
@@ -1838,7 +1836,7 @@
           <a:p>
             <a:fld id="{80C1FB36-DF57-4929-AD6B-C0C1101782BB}" type="datetimeFigureOut">
               <a:rPr lang="fi-FI" smtClean="0"/>
-              <a:t>9.12.2019</a:t>
+              <a:t>22.4.2024</a:t>
             </a:fld>
             <a:endParaRPr lang="fi-FI"/>
           </a:p>
@@ -1941,10 +1939,9 @@
           </a:lstStyle>
           <a:p>
             <a:r>
-              <a:rPr lang="fi-FI" smtClean="0"/>
+              <a:rPr lang="fi-FI"/>
               <a:t>Muokkaa perustyyl. napsautt.</a:t>
             </a:r>
-            <a:endParaRPr lang="fi-FI"/>
           </a:p>
         </p:txBody>
       </p:sp>
@@ -1998,38 +1995,37 @@
           <a:p>
             <a:pPr lvl="0"/>
             <a:r>
-              <a:rPr lang="fi-FI" smtClean="0"/>
+              <a:rPr lang="fi-FI"/>
               <a:t>Muokkaa tekstin perustyylejä napsauttamalla</a:t>
             </a:r>
           </a:p>
           <a:p>
             <a:pPr lvl="1"/>
             <a:r>
-              <a:rPr lang="fi-FI" smtClean="0"/>
+              <a:rPr lang="fi-FI"/>
               <a:t>toinen taso</a:t>
             </a:r>
           </a:p>
           <a:p>
             <a:pPr lvl="2"/>
             <a:r>
-              <a:rPr lang="fi-FI" smtClean="0"/>
+              <a:rPr lang="fi-FI"/>
               <a:t>kolmas taso</a:t>
             </a:r>
           </a:p>
           <a:p>
             <a:pPr lvl="3"/>
             <a:r>
-              <a:rPr lang="fi-FI" smtClean="0"/>
+              <a:rPr lang="fi-FI"/>
               <a:t>neljäs taso</a:t>
             </a:r>
           </a:p>
           <a:p>
             <a:pPr lvl="4"/>
             <a:r>
-              <a:rPr lang="fi-FI" smtClean="0"/>
+              <a:rPr lang="fi-FI"/>
               <a:t>viides taso</a:t>
             </a:r>
-            <a:endParaRPr lang="fi-FI"/>
           </a:p>
         </p:txBody>
       </p:sp>
@@ -2092,7 +2088,7 @@
           <a:p>
             <a:pPr lvl="0"/>
             <a:r>
-              <a:rPr lang="fi-FI" smtClean="0"/>
+              <a:rPr lang="fi-FI"/>
               <a:t>Muokkaa tekstin perustyylejä napsauttamalla</a:t>
             </a:r>
           </a:p>
@@ -2115,7 +2111,7 @@
           <a:p>
             <a:fld id="{80C1FB36-DF57-4929-AD6B-C0C1101782BB}" type="datetimeFigureOut">
               <a:rPr lang="fi-FI" smtClean="0"/>
-              <a:t>9.12.2019</a:t>
+              <a:t>22.4.2024</a:t>
             </a:fld>
             <a:endParaRPr lang="fi-FI"/>
           </a:p>
@@ -2218,10 +2214,9 @@
           </a:lstStyle>
           <a:p>
             <a:r>
-              <a:rPr lang="fi-FI" smtClean="0"/>
+              <a:rPr lang="fi-FI"/>
               <a:t>Muokkaa perustyyl. napsautt.</a:t>
             </a:r>
-            <a:endParaRPr lang="fi-FI"/>
           </a:p>
         </p:txBody>
       </p:sp>
@@ -2345,7 +2340,7 @@
           <a:p>
             <a:pPr lvl="0"/>
             <a:r>
-              <a:rPr lang="fi-FI" smtClean="0"/>
+              <a:rPr lang="fi-FI"/>
               <a:t>Muokkaa tekstin perustyylejä napsauttamalla</a:t>
             </a:r>
           </a:p>
@@ -2368,7 +2363,7 @@
           <a:p>
             <a:fld id="{80C1FB36-DF57-4929-AD6B-C0C1101782BB}" type="datetimeFigureOut">
               <a:rPr lang="fi-FI" smtClean="0"/>
-              <a:t>9.12.2019</a:t>
+              <a:t>22.4.2024</a:t>
             </a:fld>
             <a:endParaRPr lang="fi-FI"/>
           </a:p>
@@ -2477,10 +2472,9 @@
           <a:lstStyle/>
           <a:p>
             <a:r>
-              <a:rPr lang="fi-FI" smtClean="0"/>
+              <a:rPr lang="fi-FI"/>
               <a:t>Muokkaa perustyyl. napsautt.</a:t>
             </a:r>
-            <a:endParaRPr lang="fi-FI"/>
           </a:p>
         </p:txBody>
       </p:sp>
@@ -2511,38 +2505,37 @@
           <a:p>
             <a:pPr lvl="0"/>
             <a:r>
-              <a:rPr lang="fi-FI" smtClean="0"/>
+              <a:rPr lang="fi-FI"/>
               <a:t>Muokkaa tekstin perustyylejä napsauttamalla</a:t>
             </a:r>
           </a:p>
           <a:p>
             <a:pPr lvl="1"/>
             <a:r>
-              <a:rPr lang="fi-FI" smtClean="0"/>
+              <a:rPr lang="fi-FI"/>
               <a:t>toinen taso</a:t>
             </a:r>
           </a:p>
           <a:p>
             <a:pPr lvl="2"/>
             <a:r>
-              <a:rPr lang="fi-FI" smtClean="0"/>
+              <a:rPr lang="fi-FI"/>
               <a:t>kolmas taso</a:t>
             </a:r>
           </a:p>
           <a:p>
             <a:pPr lvl="3"/>
             <a:r>
-              <a:rPr lang="fi-FI" smtClean="0"/>
+              <a:rPr lang="fi-FI"/>
               <a:t>neljäs taso</a:t>
             </a:r>
           </a:p>
           <a:p>
             <a:pPr lvl="4"/>
             <a:r>
-              <a:rPr lang="fi-FI" smtClean="0"/>
+              <a:rPr lang="fi-FI"/>
               <a:t>viides taso</a:t>
             </a:r>
-            <a:endParaRPr lang="fi-FI"/>
           </a:p>
         </p:txBody>
       </p:sp>
@@ -2581,7 +2574,7 @@
           <a:p>
             <a:fld id="{80C1FB36-DF57-4929-AD6B-C0C1101782BB}" type="datetimeFigureOut">
               <a:rPr lang="fi-FI" smtClean="0"/>
-              <a:t>9.12.2019</a:t>
+              <a:t>22.4.2024</a:t>
             </a:fld>
             <a:endParaRPr lang="fi-FI"/>
           </a:p>
@@ -3021,10 +3014,9 @@
           <a:p>
             <a:pPr algn="ctr"/>
             <a:r>
-              <a:rPr lang="fi-FI" sz="3600" dirty="0" smtClean="0"/>
-              <a:t>84</a:t>
-            </a:r>
-            <a:endParaRPr lang="fi-FI" sz="3600" dirty="0"/>
+              <a:rPr lang="fi-FI" sz="3600" dirty="0"/>
+              <a:t>60</a:t>
+            </a:r>
           </a:p>
         </p:txBody>
       </p:sp>
@@ -3063,10 +3055,9 @@
           <a:p>
             <a:pPr algn="ctr"/>
             <a:r>
-              <a:rPr lang="fi-FI" sz="3600" dirty="0" smtClean="0"/>
-              <a:t>21</a:t>
-            </a:r>
-            <a:endParaRPr lang="fi-FI" sz="3600" dirty="0"/>
+              <a:rPr lang="fi-FI" sz="3600" dirty="0"/>
+              <a:t>10</a:t>
+            </a:r>
           </a:p>
         </p:txBody>
       </p:sp>
@@ -3106,9 +3097,8 @@
             <a:pPr algn="ctr"/>
             <a:r>
               <a:rPr lang="fi-FI" sz="3600" dirty="0"/>
-              <a:t>4</a:t>
-            </a:r>
-            <a:endParaRPr lang="fi-FI" sz="3600" dirty="0"/>
+              <a:t>6</a:t>
+            </a:r>
           </a:p>
         </p:txBody>
       </p:sp>
@@ -3220,9 +3210,8 @@
             <a:pPr algn="ctr"/>
             <a:r>
               <a:rPr lang="fi-FI" sz="3600" dirty="0"/>
-              <a:t>7</a:t>
-            </a:r>
-            <a:endParaRPr lang="fi-FI" sz="3600" dirty="0" smtClean="0"/>
+              <a:t>5</a:t>
+            </a:r>
           </a:p>
         </p:txBody>
       </p:sp>
@@ -3262,9 +3251,8 @@
             <a:pPr algn="ctr"/>
             <a:r>
               <a:rPr lang="fi-FI" sz="3600" dirty="0"/>
-              <a:t>2</a:t>
-            </a:r>
-            <a:endParaRPr lang="fi-FI" sz="3600" dirty="0"/>
+              <a:t>3</a:t>
+            </a:r>
           </a:p>
         </p:txBody>
       </p:sp>
@@ -3306,7 +3294,6 @@
               <a:rPr lang="fi-FI" sz="3600" dirty="0"/>
               <a:t>2</a:t>
             </a:r>
-            <a:endParaRPr lang="fi-FI" sz="3600" dirty="0"/>
           </a:p>
         </p:txBody>
       </p:sp>
@@ -3346,9 +3333,8 @@
             <a:pPr algn="ctr"/>
             <a:r>
               <a:rPr lang="fi-FI" sz="3600" dirty="0"/>
-              <a:t>3</a:t>
-            </a:r>
-            <a:endParaRPr lang="fi-FI" sz="3600" dirty="0"/>
+              <a:t>2</a:t>
+            </a:r>
           </a:p>
         </p:txBody>
       </p:sp>
@@ -3561,10 +3547,9 @@
           <a:p>
             <a:pPr algn="ctr"/>
             <a:r>
-              <a:rPr lang="fi-FI" sz="3600" dirty="0" smtClean="0"/>
-              <a:t>12</a:t>
-            </a:r>
-            <a:endParaRPr lang="fi-FI" sz="3600" dirty="0"/>
+              <a:rPr lang="fi-FI" sz="3200" dirty="0"/>
+              <a:t>164</a:t>
+            </a:r>
           </a:p>
         </p:txBody>
       </p:sp>
@@ -3604,7 +3589,7 @@
             <a:pPr algn="ctr"/>
             <a:r>
               <a:rPr lang="fi-FI" sz="3200" dirty="0"/>
-              <a:t>4</a:t>
+              <a:t>82</a:t>
             </a:r>
             <a:endParaRPr lang="fi-FI" sz="3600" dirty="0"/>
           </a:p>
@@ -3645,10 +3630,9 @@
           <a:p>
             <a:pPr algn="ctr"/>
             <a:r>
-              <a:rPr lang="fi-FI" sz="3600" dirty="0" smtClean="0"/>
-              <a:t>3</a:t>
-            </a:r>
-            <a:endParaRPr lang="fi-FI" sz="3600" dirty="0"/>
+              <a:rPr lang="fi-FI" sz="3600" dirty="0"/>
+              <a:t>2</a:t>
+            </a:r>
           </a:p>
         </p:txBody>
       </p:sp>
@@ -3758,7 +3742,10 @@
           <a:lstStyle/>
           <a:p>
             <a:pPr algn="ctr"/>
-            <a:endParaRPr lang="fi-FI" sz="3600" dirty="0"/>
+            <a:r>
+              <a:rPr lang="fi-FI" sz="3600" dirty="0"/>
+              <a:t>41</a:t>
+            </a:r>
           </a:p>
         </p:txBody>
       </p:sp>
@@ -3796,7 +3783,10 @@
           <a:lstStyle/>
           <a:p>
             <a:pPr algn="ctr"/>
-            <a:endParaRPr lang="fi-FI" sz="3600" dirty="0"/>
+            <a:r>
+              <a:rPr lang="fi-FI" sz="3600" dirty="0"/>
+              <a:t>2</a:t>
+            </a:r>
           </a:p>
         </p:txBody>
       </p:sp>
@@ -3937,10 +3927,9 @@
           <a:p>
             <a:pPr algn="ctr"/>
             <a:r>
-              <a:rPr lang="fi-FI" sz="3600" dirty="0" smtClean="0"/>
+              <a:rPr lang="fi-FI" sz="3600" dirty="0"/>
               <a:t>20</a:t>
             </a:r>
-            <a:endParaRPr lang="fi-FI" sz="3600" dirty="0"/>
           </a:p>
         </p:txBody>
       </p:sp>
@@ -3979,7 +3968,7 @@
           <a:p>
             <a:pPr algn="ctr"/>
             <a:r>
-              <a:rPr lang="fi-FI" sz="3200" dirty="0" smtClean="0"/>
+              <a:rPr lang="fi-FI" sz="3200" dirty="0"/>
               <a:t>10</a:t>
             </a:r>
             <a:endParaRPr lang="fi-FI" sz="3600" dirty="0"/>
@@ -4133,7 +4122,10 @@
           <a:lstStyle/>
           <a:p>
             <a:pPr algn="ctr"/>
-            <a:endParaRPr lang="fi-FI" sz="3600" dirty="0"/>
+            <a:r>
+              <a:rPr lang="fi-FI" sz="3600" dirty="0"/>
+              <a:t>5</a:t>
+            </a:r>
           </a:p>
         </p:txBody>
       </p:sp>
@@ -4171,7 +4163,10 @@
           <a:lstStyle/>
           <a:p>
             <a:pPr algn="ctr"/>
-            <a:endParaRPr lang="fi-FI" sz="3600" dirty="0"/>
+            <a:r>
+              <a:rPr lang="fi-FI" sz="3600" dirty="0"/>
+              <a:t>2</a:t>
+            </a:r>
           </a:p>
         </p:txBody>
       </p:sp>
@@ -4312,10 +4307,9 @@
           <a:p>
             <a:pPr algn="ctr"/>
             <a:r>
-              <a:rPr lang="fi-FI" sz="3600" dirty="0" smtClean="0"/>
+              <a:rPr lang="fi-FI" sz="3600" dirty="0"/>
               <a:t>45</a:t>
             </a:r>
-            <a:endParaRPr lang="fi-FI" sz="3600" dirty="0"/>
           </a:p>
         </p:txBody>
       </p:sp>
@@ -4353,7 +4347,10 @@
           <a:lstStyle/>
           <a:p>
             <a:pPr algn="ctr"/>
-            <a:endParaRPr lang="fi-FI" sz="3600" dirty="0"/>
+            <a:r>
+              <a:rPr lang="fi-FI" sz="3600" dirty="0"/>
+              <a:t>9</a:t>
+            </a:r>
           </a:p>
         </p:txBody>
       </p:sp>
@@ -4504,7 +4501,10 @@
           <a:lstStyle/>
           <a:p>
             <a:pPr algn="ctr"/>
-            <a:endParaRPr lang="fi-FI" sz="3600" dirty="0"/>
+            <a:r>
+              <a:rPr lang="fi-FI" sz="3600" dirty="0"/>
+              <a:t>3</a:t>
+            </a:r>
           </a:p>
         </p:txBody>
       </p:sp>
@@ -4542,7 +4542,10 @@
           <a:lstStyle/>
           <a:p>
             <a:pPr algn="ctr"/>
-            <a:endParaRPr lang="fi-FI" sz="3600" dirty="0"/>
+            <a:r>
+              <a:rPr lang="fi-FI" sz="3600" dirty="0"/>
+              <a:t>3</a:t>
+            </a:r>
           </a:p>
         </p:txBody>
       </p:sp>
@@ -4683,10 +4686,9 @@
           <a:p>
             <a:pPr algn="ctr"/>
             <a:r>
-              <a:rPr lang="fi-FI" sz="3600" dirty="0" smtClean="0"/>
+              <a:rPr lang="fi-FI" sz="3600" dirty="0"/>
               <a:t>24</a:t>
             </a:r>
-            <a:endParaRPr lang="fi-FI" sz="3600" dirty="0"/>
           </a:p>
         </p:txBody>
       </p:sp>
@@ -4725,10 +4727,9 @@
           <a:p>
             <a:pPr algn="ctr"/>
             <a:r>
-              <a:rPr lang="fi-FI" sz="3600" dirty="0" smtClean="0"/>
+              <a:rPr lang="fi-FI" sz="3600" dirty="0"/>
               <a:t>6</a:t>
             </a:r>
-            <a:endParaRPr lang="fi-FI" sz="3600" dirty="0"/>
           </a:p>
         </p:txBody>
       </p:sp>
@@ -4767,10 +4768,9 @@
           <a:p>
             <a:pPr algn="ctr"/>
             <a:r>
-              <a:rPr lang="fi-FI" sz="3600" dirty="0" smtClean="0"/>
+              <a:rPr lang="fi-FI" sz="3600" dirty="0"/>
               <a:t>4</a:t>
             </a:r>
-            <a:endParaRPr lang="fi-FI" sz="3600" dirty="0"/>
           </a:p>
         </p:txBody>
       </p:sp>
@@ -4880,7 +4880,10 @@
           <a:lstStyle/>
           <a:p>
             <a:pPr algn="ctr"/>
-            <a:endParaRPr lang="fi-FI" sz="3600" dirty="0"/>
+            <a:r>
+              <a:rPr lang="fi-FI" sz="3600" dirty="0"/>
+              <a:t>3</a:t>
+            </a:r>
           </a:p>
         </p:txBody>
       </p:sp>
@@ -4918,7 +4921,10 @@
           <a:lstStyle/>
           <a:p>
             <a:pPr algn="ctr"/>
-            <a:endParaRPr lang="fi-FI" sz="3600" dirty="0"/>
+            <a:r>
+              <a:rPr lang="fi-FI" sz="3600" dirty="0"/>
+              <a:t>2</a:t>
+            </a:r>
           </a:p>
         </p:txBody>
       </p:sp>
@@ -4956,7 +4962,10 @@
           <a:lstStyle/>
           <a:p>
             <a:pPr algn="ctr"/>
-            <a:endParaRPr lang="fi-FI" sz="3600" dirty="0"/>
+            <a:r>
+              <a:rPr lang="fi-FI" sz="3600" dirty="0"/>
+              <a:t>2</a:t>
+            </a:r>
           </a:p>
         </p:txBody>
       </p:sp>
@@ -4994,7 +5003,10 @@
           <a:lstStyle/>
           <a:p>
             <a:pPr algn="ctr"/>
-            <a:endParaRPr lang="fi-FI" sz="3600" dirty="0"/>
+            <a:r>
+              <a:rPr lang="fi-FI" sz="3600" dirty="0"/>
+              <a:t>2</a:t>
+            </a:r>
           </a:p>
         </p:txBody>
       </p:sp>
@@ -5207,10 +5219,9 @@
           <a:p>
             <a:pPr algn="ctr"/>
             <a:r>
-              <a:rPr lang="fi-FI" sz="3600" dirty="0" smtClean="0"/>
+              <a:rPr lang="fi-FI" sz="3600" dirty="0"/>
               <a:t>70</a:t>
             </a:r>
-            <a:endParaRPr lang="fi-FI" sz="3600" dirty="0"/>
           </a:p>
         </p:txBody>
       </p:sp>
@@ -5441,10 +5452,9 @@
             <a:p>
               <a:pPr algn="ctr"/>
               <a:r>
-                <a:rPr lang="fi-FI" sz="3600" dirty="0" smtClean="0"/>
+                <a:rPr lang="fi-FI" sz="3600" dirty="0"/>
                 <a:t>12</a:t>
               </a:r>
-              <a:endParaRPr lang="fi-FI" sz="3600" dirty="0"/>
             </a:p>
           </p:txBody>
         </p:sp>
@@ -5483,10 +5493,9 @@
             <a:p>
               <a:pPr algn="ctr"/>
               <a:r>
-                <a:rPr lang="fi-FI" sz="3600" dirty="0" smtClean="0"/>
+                <a:rPr lang="fi-FI" sz="3600" dirty="0"/>
                 <a:t>30</a:t>
               </a:r>
-              <a:endParaRPr lang="fi-FI" sz="3600" dirty="0"/>
             </a:p>
           </p:txBody>
         </p:sp>
@@ -5525,10 +5534,9 @@
             <a:p>
               <a:pPr algn="ctr"/>
               <a:r>
-                <a:rPr lang="fi-FI" sz="3600" dirty="0" smtClean="0"/>
+                <a:rPr lang="fi-FI" sz="3600" dirty="0"/>
                 <a:t>42</a:t>
               </a:r>
-              <a:endParaRPr lang="fi-FI" sz="3600" dirty="0"/>
             </a:p>
           </p:txBody>
         </p:sp>
@@ -5567,10 +5575,9 @@
             <a:p>
               <a:pPr algn="ctr"/>
               <a:r>
-                <a:rPr lang="fi-FI" sz="3600" dirty="0" smtClean="0"/>
+                <a:rPr lang="fi-FI" sz="3600" dirty="0"/>
                 <a:t>24</a:t>
               </a:r>
-              <a:endParaRPr lang="fi-FI" sz="3600" dirty="0"/>
             </a:p>
           </p:txBody>
         </p:sp>
@@ -5609,10 +5616,9 @@
             <a:p>
               <a:pPr algn="ctr"/>
               <a:r>
-                <a:rPr lang="fi-FI" sz="3600" dirty="0" smtClean="0"/>
+                <a:rPr lang="fi-FI" sz="3600" dirty="0"/>
                 <a:t>16</a:t>
               </a:r>
-              <a:endParaRPr lang="fi-FI" sz="3600" dirty="0"/>
             </a:p>
           </p:txBody>
         </p:sp>
@@ -5651,10 +5657,9 @@
             <a:p>
               <a:pPr algn="ctr"/>
               <a:r>
-                <a:rPr lang="fi-FI" sz="3600" dirty="0" smtClean="0"/>
+                <a:rPr lang="fi-FI" sz="3600" dirty="0"/>
                 <a:t>36</a:t>
               </a:r>
-              <a:endParaRPr lang="fi-FI" sz="3600" dirty="0"/>
             </a:p>
           </p:txBody>
         </p:sp>
@@ -5669,13 +5674,6 @@
   <p:clrMapOvr>
     <a:masterClrMapping/>
   </p:clrMapOvr>
-  <p:timing>
-    <p:tnLst>
-      <p:par>
-        <p:cTn id="1" dur="indefinite" restart="never" nodeType="tmRoot"/>
-      </p:par>
-    </p:tnLst>
-  </p:timing>
 </p:sld>
 </file>
 
@@ -5769,10 +5767,9 @@
           <a:p>
             <a:pPr algn="ctr"/>
             <a:r>
-              <a:rPr lang="fi-FI" sz="3600" dirty="0" smtClean="0"/>
+              <a:rPr lang="fi-FI" sz="3600" dirty="0"/>
               <a:t>14</a:t>
             </a:r>
-            <a:endParaRPr lang="fi-FI" sz="3600" dirty="0"/>
           </a:p>
         </p:txBody>
       </p:sp>
@@ -5959,10 +5956,9 @@
           <a:p>
             <a:pPr algn="ctr"/>
             <a:r>
-              <a:rPr lang="fi-FI" sz="3600" dirty="0" smtClean="0"/>
+              <a:rPr lang="fi-FI" sz="3600" dirty="0"/>
               <a:t>3</a:t>
             </a:r>
-            <a:endParaRPr lang="fi-FI" sz="3600" dirty="0"/>
           </a:p>
         </p:txBody>
       </p:sp>
@@ -6001,10 +5997,9 @@
           <a:p>
             <a:pPr algn="ctr"/>
             <a:r>
-              <a:rPr lang="fi-FI" sz="3600" dirty="0" smtClean="0"/>
+              <a:rPr lang="fi-FI" sz="3600" dirty="0"/>
               <a:t>2</a:t>
             </a:r>
-            <a:endParaRPr lang="fi-FI" sz="3600" dirty="0"/>
           </a:p>
         </p:txBody>
       </p:sp>
@@ -6255,10 +6250,9 @@
           <a:p>
             <a:pPr algn="ctr"/>
             <a:r>
-              <a:rPr lang="fi-FI" sz="3600" dirty="0" smtClean="0"/>
+              <a:rPr lang="fi-FI" sz="3600" dirty="0"/>
               <a:t>88</a:t>
             </a:r>
-            <a:endParaRPr lang="fi-FI" sz="3600" dirty="0"/>
           </a:p>
         </p:txBody>
       </p:sp>
@@ -6747,7 +6741,7 @@
         </p:nvSpPr>
         <p:spPr>
           <a:xfrm>
-            <a:off x="3794913" y="884349"/>
+            <a:off x="3794913" y="158206"/>
             <a:ext cx="1197735" cy="850006"/>
           </a:xfrm>
           <a:prstGeom prst="ellipse">
@@ -6774,10 +6768,9 @@
           <a:p>
             <a:pPr algn="ctr"/>
             <a:r>
-              <a:rPr lang="fi-FI" sz="3200" dirty="0" smtClean="0"/>
-              <a:t>490</a:t>
-            </a:r>
-            <a:endParaRPr lang="fi-FI" sz="3200" dirty="0"/>
+              <a:rPr lang="fi-FI" sz="3200" dirty="0"/>
+              <a:t>252</a:t>
+            </a:r>
           </a:p>
         </p:txBody>
       </p:sp>
@@ -6789,7 +6782,7 @@
         </p:nvSpPr>
         <p:spPr>
           <a:xfrm>
-            <a:off x="4545457" y="2159358"/>
+            <a:off x="4545457" y="1433215"/>
             <a:ext cx="1151965" cy="850006"/>
           </a:xfrm>
           <a:prstGeom prst="ellipse">
@@ -6815,7 +6808,10 @@
           <a:lstStyle/>
           <a:p>
             <a:pPr algn="ctr"/>
-            <a:endParaRPr lang="fi-FI" sz="3600" dirty="0"/>
+            <a:r>
+              <a:rPr lang="fi-FI" sz="3200" dirty="0"/>
+              <a:t>126</a:t>
+            </a:r>
           </a:p>
         </p:txBody>
       </p:sp>
@@ -6827,7 +6823,7 @@
         </p:nvSpPr>
         <p:spPr>
           <a:xfrm>
-            <a:off x="3067255" y="2146473"/>
+            <a:off x="3067255" y="1420330"/>
             <a:ext cx="1197735" cy="850006"/>
           </a:xfrm>
           <a:prstGeom prst="ellipse">
@@ -6853,7 +6849,10 @@
           <a:lstStyle/>
           <a:p>
             <a:pPr algn="ctr"/>
-            <a:endParaRPr lang="fi-FI" sz="3600" dirty="0"/>
+            <a:r>
+              <a:rPr lang="fi-FI" sz="3600" dirty="0"/>
+              <a:t>2</a:t>
+            </a:r>
           </a:p>
         </p:txBody>
       </p:sp>
@@ -6868,7 +6867,7 @@
         </p:nvCxnSpPr>
         <p:spPr>
           <a:xfrm>
-            <a:off x="4817244" y="1609875"/>
+            <a:off x="4817244" y="883732"/>
             <a:ext cx="304196" cy="549483"/>
           </a:xfrm>
           <a:prstGeom prst="straightConnector1">
@@ -6904,7 +6903,7 @@
         </p:nvCxnSpPr>
         <p:spPr>
           <a:xfrm flipH="1">
-            <a:off x="3666123" y="1609875"/>
+            <a:off x="3666123" y="883732"/>
             <a:ext cx="304194" cy="536598"/>
           </a:xfrm>
           <a:prstGeom prst="straightConnector1">
@@ -6937,7 +6936,7 @@
         </p:nvSpPr>
         <p:spPr>
           <a:xfrm>
-            <a:off x="5250229" y="3404317"/>
+            <a:off x="5250229" y="2678174"/>
             <a:ext cx="1197735" cy="850006"/>
           </a:xfrm>
           <a:prstGeom prst="ellipse">
@@ -6964,10 +6963,9 @@
           <a:p>
             <a:pPr algn="ctr"/>
             <a:r>
-              <a:rPr lang="fi-FI" sz="3600" dirty="0" smtClean="0"/>
-              <a:t>35</a:t>
-            </a:r>
-            <a:endParaRPr lang="fi-FI" sz="3600" dirty="0"/>
+              <a:rPr lang="fi-FI" sz="3600" dirty="0"/>
+              <a:t>63</a:t>
+            </a:r>
           </a:p>
         </p:txBody>
       </p:sp>
@@ -6979,7 +6977,7 @@
         </p:nvSpPr>
         <p:spPr>
           <a:xfrm>
-            <a:off x="5977886" y="4773756"/>
+            <a:off x="5977886" y="4047613"/>
             <a:ext cx="1197735" cy="850006"/>
           </a:xfrm>
           <a:prstGeom prst="ellipse">
@@ -7005,7 +7003,10 @@
           <a:lstStyle/>
           <a:p>
             <a:pPr algn="ctr"/>
-            <a:endParaRPr lang="fi-FI" sz="3600" dirty="0"/>
+            <a:r>
+              <a:rPr lang="fi-FI" sz="3600" dirty="0"/>
+              <a:t>21</a:t>
+            </a:r>
           </a:p>
         </p:txBody>
       </p:sp>
@@ -7017,7 +7018,7 @@
         </p:nvSpPr>
         <p:spPr>
           <a:xfrm>
-            <a:off x="4522571" y="4773756"/>
+            <a:off x="4522571" y="4047613"/>
             <a:ext cx="1197735" cy="850006"/>
           </a:xfrm>
           <a:prstGeom prst="ellipse">
@@ -7043,7 +7044,10 @@
           <a:lstStyle/>
           <a:p>
             <a:pPr algn="ctr"/>
-            <a:endParaRPr lang="fi-FI" sz="3600" dirty="0"/>
+            <a:r>
+              <a:rPr lang="fi-FI" sz="3600" dirty="0"/>
+              <a:t>3</a:t>
+            </a:r>
           </a:p>
         </p:txBody>
       </p:sp>
@@ -7055,7 +7059,7 @@
         </p:nvSpPr>
         <p:spPr>
           <a:xfrm>
-            <a:off x="3772030" y="3404317"/>
+            <a:off x="3772030" y="2678174"/>
             <a:ext cx="1197735" cy="850006"/>
           </a:xfrm>
           <a:prstGeom prst="ellipse">
@@ -7081,7 +7085,10 @@
           <a:lstStyle/>
           <a:p>
             <a:pPr algn="ctr"/>
-            <a:endParaRPr lang="fi-FI" sz="3600" dirty="0"/>
+            <a:r>
+              <a:rPr lang="fi-FI" sz="3600" dirty="0"/>
+              <a:t>2</a:t>
+            </a:r>
           </a:p>
         </p:txBody>
       </p:sp>
@@ -7096,7 +7103,7 @@
         </p:nvCxnSpPr>
         <p:spPr>
           <a:xfrm>
-            <a:off x="5528721" y="2884884"/>
+            <a:off x="5528721" y="2158741"/>
             <a:ext cx="320376" cy="519433"/>
           </a:xfrm>
           <a:prstGeom prst="straightConnector1">
@@ -7132,7 +7139,7 @@
         </p:nvCxnSpPr>
         <p:spPr>
           <a:xfrm flipH="1">
-            <a:off x="4370898" y="2884884"/>
+            <a:off x="4370898" y="2158741"/>
             <a:ext cx="343260" cy="519433"/>
           </a:xfrm>
           <a:prstGeom prst="straightConnector1">
@@ -7168,7 +7175,7 @@
         </p:nvCxnSpPr>
         <p:spPr>
           <a:xfrm>
-            <a:off x="6272560" y="4129843"/>
+            <a:off x="6272560" y="3403700"/>
             <a:ext cx="304194" cy="643913"/>
           </a:xfrm>
           <a:prstGeom prst="straightConnector1">
@@ -7204,8 +7211,188 @@
         </p:nvCxnSpPr>
         <p:spPr>
           <a:xfrm flipH="1">
-            <a:off x="5121439" y="4129843"/>
+            <a:off x="5121439" y="3403700"/>
             <a:ext cx="304194" cy="643913"/>
+          </a:xfrm>
+          <a:prstGeom prst="straightConnector1">
+            <a:avLst/>
+          </a:prstGeom>
+          <a:ln w="12700">
+            <a:tailEnd type="triangle" w="lg" len="lg"/>
+          </a:ln>
+        </p:spPr>
+        <p:style>
+          <a:lnRef idx="1">
+            <a:schemeClr val="dk1"/>
+          </a:lnRef>
+          <a:fillRef idx="0">
+            <a:schemeClr val="dk1"/>
+          </a:fillRef>
+          <a:effectRef idx="0">
+            <a:schemeClr val="dk1"/>
+          </a:effectRef>
+          <a:fontRef idx="minor">
+            <a:schemeClr val="tx1"/>
+          </a:fontRef>
+        </p:style>
+      </p:cxnSp>
+      <p:sp>
+        <p:nvSpPr>
+          <p:cNvPr id="2" name="Ellipsi 1">
+            <a:extLst>
+              <a:ext uri="{FF2B5EF4-FFF2-40B4-BE49-F238E27FC236}">
+                <a16:creationId xmlns:a16="http://schemas.microsoft.com/office/drawing/2014/main" id="{7D586E0A-8F73-3DAA-8928-E839E9B68650}"/>
+              </a:ext>
+            </a:extLst>
+          </p:cNvPr>
+          <p:cNvSpPr/>
+          <p:nvPr/>
+        </p:nvSpPr>
+        <p:spPr>
+          <a:xfrm>
+            <a:off x="6686093" y="5297103"/>
+            <a:ext cx="1197735" cy="850006"/>
+          </a:xfrm>
+          <a:prstGeom prst="ellipse">
+            <a:avLst/>
+          </a:prstGeom>
+        </p:spPr>
+        <p:style>
+          <a:lnRef idx="2">
+            <a:schemeClr val="dk1"/>
+          </a:lnRef>
+          <a:fillRef idx="1">
+            <a:schemeClr val="lt1"/>
+          </a:fillRef>
+          <a:effectRef idx="0">
+            <a:schemeClr val="dk1"/>
+          </a:effectRef>
+          <a:fontRef idx="minor">
+            <a:schemeClr val="dk1"/>
+          </a:fontRef>
+        </p:style>
+        <p:txBody>
+          <a:bodyPr rtlCol="0" anchor="ctr"/>
+          <a:lstStyle/>
+          <a:p>
+            <a:pPr algn="ctr"/>
+            <a:r>
+              <a:rPr lang="fi-FI" sz="3600" dirty="0"/>
+              <a:t>7</a:t>
+            </a:r>
+          </a:p>
+        </p:txBody>
+      </p:sp>
+      <p:sp>
+        <p:nvSpPr>
+          <p:cNvPr id="16" name="Ellipsi 15">
+            <a:extLst>
+              <a:ext uri="{FF2B5EF4-FFF2-40B4-BE49-F238E27FC236}">
+                <a16:creationId xmlns:a16="http://schemas.microsoft.com/office/drawing/2014/main" id="{766FB99D-855A-B67E-1F09-D15BF19E9B53}"/>
+              </a:ext>
+            </a:extLst>
+          </p:cNvPr>
+          <p:cNvSpPr/>
+          <p:nvPr/>
+        </p:nvSpPr>
+        <p:spPr>
+          <a:xfrm>
+            <a:off x="5410078" y="5297103"/>
+            <a:ext cx="1197735" cy="850006"/>
+          </a:xfrm>
+          <a:prstGeom prst="ellipse">
+            <a:avLst/>
+          </a:prstGeom>
+        </p:spPr>
+        <p:style>
+          <a:lnRef idx="2">
+            <a:schemeClr val="dk1"/>
+          </a:lnRef>
+          <a:fillRef idx="1">
+            <a:schemeClr val="lt1"/>
+          </a:fillRef>
+          <a:effectRef idx="0">
+            <a:schemeClr val="dk1"/>
+          </a:effectRef>
+          <a:fontRef idx="minor">
+            <a:schemeClr val="dk1"/>
+          </a:fontRef>
+        </p:style>
+        <p:txBody>
+          <a:bodyPr rtlCol="0" anchor="ctr"/>
+          <a:lstStyle/>
+          <a:p>
+            <a:pPr algn="ctr"/>
+            <a:r>
+              <a:rPr lang="fi-FI" sz="3600" dirty="0"/>
+              <a:t>3</a:t>
+            </a:r>
+          </a:p>
+        </p:txBody>
+      </p:sp>
+      <p:cxnSp>
+        <p:nvCxnSpPr>
+          <p:cNvPr id="17" name="Suora nuoliyhdysviiva 16">
+            <a:extLst>
+              <a:ext uri="{FF2B5EF4-FFF2-40B4-BE49-F238E27FC236}">
+                <a16:creationId xmlns:a16="http://schemas.microsoft.com/office/drawing/2014/main" id="{2146EF64-748B-5990-7454-8F8E75AE65F2}"/>
+              </a:ext>
+            </a:extLst>
+          </p:cNvPr>
+          <p:cNvCxnSpPr>
+            <a:cxnSpLocks/>
+            <a:stCxn id="9" idx="3"/>
+            <a:endCxn id="16" idx="0"/>
+          </p:cNvCxnSpPr>
+          <p:nvPr/>
+        </p:nvCxnSpPr>
+        <p:spPr>
+          <a:xfrm flipH="1">
+            <a:off x="6008946" y="4773139"/>
+            <a:ext cx="144344" cy="523964"/>
+          </a:xfrm>
+          <a:prstGeom prst="straightConnector1">
+            <a:avLst/>
+          </a:prstGeom>
+          <a:ln w="12700">
+            <a:tailEnd type="triangle" w="lg" len="lg"/>
+          </a:ln>
+        </p:spPr>
+        <p:style>
+          <a:lnRef idx="1">
+            <a:schemeClr val="dk1"/>
+          </a:lnRef>
+          <a:fillRef idx="0">
+            <a:schemeClr val="dk1"/>
+          </a:fillRef>
+          <a:effectRef idx="0">
+            <a:schemeClr val="dk1"/>
+          </a:effectRef>
+          <a:fontRef idx="minor">
+            <a:schemeClr val="tx1"/>
+          </a:fontRef>
+        </p:style>
+      </p:cxnSp>
+      <p:cxnSp>
+        <p:nvCxnSpPr>
+          <p:cNvPr id="20" name="Suora nuoliyhdysviiva 19">
+            <a:extLst>
+              <a:ext uri="{FF2B5EF4-FFF2-40B4-BE49-F238E27FC236}">
+                <a16:creationId xmlns:a16="http://schemas.microsoft.com/office/drawing/2014/main" id="{4F16EBDE-87A2-C017-5DBE-3841F2CBC491}"/>
+              </a:ext>
+            </a:extLst>
+          </p:cNvPr>
+          <p:cNvCxnSpPr>
+            <a:cxnSpLocks/>
+            <a:stCxn id="9" idx="5"/>
+            <a:endCxn id="2" idx="0"/>
+          </p:cNvCxnSpPr>
+          <p:nvPr/>
+        </p:nvCxnSpPr>
+        <p:spPr>
+          <a:xfrm>
+            <a:off x="7000217" y="4773139"/>
+            <a:ext cx="284744" cy="523964"/>
           </a:xfrm>
           <a:prstGeom prst="straightConnector1">
             <a:avLst/>
@@ -7233,6 +7420,719 @@
     <p:extLst>
       <p:ext uri="{BB962C8B-B14F-4D97-AF65-F5344CB8AC3E}">
         <p14:creationId xmlns:p14="http://schemas.microsoft.com/office/powerpoint/2010/main" val="4048534545"/>
+      </p:ext>
+    </p:extLst>
+  </p:cSld>
+  <p:clrMapOvr>
+    <a:masterClrMapping/>
+  </p:clrMapOvr>
+</p:sld>
+</file>
+
+<file path=ppt/slides/slide19.xml><?xml version="1.0" encoding="utf-8"?>
+<p:sld xmlns:a="http://schemas.openxmlformats.org/drawingml/2006/main" xmlns:r="http://schemas.openxmlformats.org/officeDocument/2006/relationships" xmlns:p="http://schemas.openxmlformats.org/presentationml/2006/main">
+  <p:cSld>
+    <p:spTree>
+      <p:nvGrpSpPr>
+        <p:cNvPr id="1" name=""/>
+        <p:cNvGrpSpPr/>
+        <p:nvPr/>
+      </p:nvGrpSpPr>
+      <p:grpSpPr>
+        <a:xfrm>
+          <a:off x="0" y="0"/>
+          <a:ext cx="0" cy="0"/>
+          <a:chOff x="0" y="0"/>
+          <a:chExt cx="0" cy="0"/>
+        </a:xfrm>
+      </p:grpSpPr>
+      <p:sp>
+        <p:nvSpPr>
+          <p:cNvPr id="3" name="Ellipsi 2"/>
+          <p:cNvSpPr/>
+          <p:nvPr/>
+        </p:nvSpPr>
+        <p:spPr>
+          <a:xfrm>
+            <a:off x="3794913" y="158206"/>
+            <a:ext cx="1197735" cy="850006"/>
+          </a:xfrm>
+          <a:prstGeom prst="ellipse">
+            <a:avLst/>
+          </a:prstGeom>
+        </p:spPr>
+        <p:style>
+          <a:lnRef idx="2">
+            <a:schemeClr val="dk1"/>
+          </a:lnRef>
+          <a:fillRef idx="1">
+            <a:schemeClr val="lt1"/>
+          </a:fillRef>
+          <a:effectRef idx="0">
+            <a:schemeClr val="dk1"/>
+          </a:effectRef>
+          <a:fontRef idx="minor">
+            <a:schemeClr val="dk1"/>
+          </a:fontRef>
+        </p:style>
+        <p:txBody>
+          <a:bodyPr rtlCol="0" anchor="ctr"/>
+          <a:lstStyle/>
+          <a:p>
+            <a:pPr algn="ctr"/>
+            <a:r>
+              <a:rPr lang="fi-FI" sz="2400" dirty="0"/>
+              <a:t>1323</a:t>
+            </a:r>
+          </a:p>
+        </p:txBody>
+      </p:sp>
+      <p:sp>
+        <p:nvSpPr>
+          <p:cNvPr id="4" name="Ellipsi 3"/>
+          <p:cNvSpPr/>
+          <p:nvPr/>
+        </p:nvSpPr>
+        <p:spPr>
+          <a:xfrm>
+            <a:off x="4545457" y="1433215"/>
+            <a:ext cx="1151965" cy="850006"/>
+          </a:xfrm>
+          <a:prstGeom prst="ellipse">
+            <a:avLst/>
+          </a:prstGeom>
+        </p:spPr>
+        <p:style>
+          <a:lnRef idx="2">
+            <a:schemeClr val="dk1"/>
+          </a:lnRef>
+          <a:fillRef idx="1">
+            <a:schemeClr val="lt1"/>
+          </a:fillRef>
+          <a:effectRef idx="0">
+            <a:schemeClr val="dk1"/>
+          </a:effectRef>
+          <a:fontRef idx="minor">
+            <a:schemeClr val="dk1"/>
+          </a:fontRef>
+        </p:style>
+        <p:txBody>
+          <a:bodyPr rtlCol="0" anchor="ctr"/>
+          <a:lstStyle/>
+          <a:p>
+            <a:pPr algn="ctr"/>
+            <a:r>
+              <a:rPr lang="fi-FI" sz="3200" dirty="0"/>
+              <a:t>441</a:t>
+            </a:r>
+          </a:p>
+        </p:txBody>
+      </p:sp>
+      <p:sp>
+        <p:nvSpPr>
+          <p:cNvPr id="5" name="Ellipsi 4"/>
+          <p:cNvSpPr/>
+          <p:nvPr/>
+        </p:nvSpPr>
+        <p:spPr>
+          <a:xfrm>
+            <a:off x="3067255" y="1420330"/>
+            <a:ext cx="1197735" cy="850006"/>
+          </a:xfrm>
+          <a:prstGeom prst="ellipse">
+            <a:avLst/>
+          </a:prstGeom>
+        </p:spPr>
+        <p:style>
+          <a:lnRef idx="2">
+            <a:schemeClr val="dk1"/>
+          </a:lnRef>
+          <a:fillRef idx="1">
+            <a:schemeClr val="lt1"/>
+          </a:fillRef>
+          <a:effectRef idx="0">
+            <a:schemeClr val="dk1"/>
+          </a:effectRef>
+          <a:fontRef idx="minor">
+            <a:schemeClr val="dk1"/>
+          </a:fontRef>
+        </p:style>
+        <p:txBody>
+          <a:bodyPr rtlCol="0" anchor="ctr"/>
+          <a:lstStyle/>
+          <a:p>
+            <a:pPr algn="ctr"/>
+            <a:r>
+              <a:rPr lang="fi-FI" sz="3600" dirty="0"/>
+              <a:t>3</a:t>
+            </a:r>
+          </a:p>
+        </p:txBody>
+      </p:sp>
+      <p:cxnSp>
+        <p:nvCxnSpPr>
+          <p:cNvPr id="6" name="Suora nuoliyhdysviiva 5"/>
+          <p:cNvCxnSpPr>
+            <a:stCxn id="3" idx="5"/>
+            <a:endCxn id="4" idx="0"/>
+          </p:cNvCxnSpPr>
+          <p:nvPr/>
+        </p:nvCxnSpPr>
+        <p:spPr>
+          <a:xfrm>
+            <a:off x="4817244" y="883732"/>
+            <a:ext cx="304196" cy="549483"/>
+          </a:xfrm>
+          <a:prstGeom prst="straightConnector1">
+            <a:avLst/>
+          </a:prstGeom>
+          <a:ln w="12700">
+            <a:tailEnd type="triangle" w="lg" len="lg"/>
+          </a:ln>
+        </p:spPr>
+        <p:style>
+          <a:lnRef idx="1">
+            <a:schemeClr val="dk1"/>
+          </a:lnRef>
+          <a:fillRef idx="0">
+            <a:schemeClr val="dk1"/>
+          </a:fillRef>
+          <a:effectRef idx="0">
+            <a:schemeClr val="dk1"/>
+          </a:effectRef>
+          <a:fontRef idx="minor">
+            <a:schemeClr val="tx1"/>
+          </a:fontRef>
+        </p:style>
+      </p:cxnSp>
+      <p:cxnSp>
+        <p:nvCxnSpPr>
+          <p:cNvPr id="7" name="Suora nuoliyhdysviiva 6"/>
+          <p:cNvCxnSpPr>
+            <a:stCxn id="3" idx="3"/>
+            <a:endCxn id="5" idx="0"/>
+          </p:cNvCxnSpPr>
+          <p:nvPr/>
+        </p:nvCxnSpPr>
+        <p:spPr>
+          <a:xfrm flipH="1">
+            <a:off x="3666123" y="883732"/>
+            <a:ext cx="304194" cy="536598"/>
+          </a:xfrm>
+          <a:prstGeom prst="straightConnector1">
+            <a:avLst/>
+          </a:prstGeom>
+          <a:ln w="12700">
+            <a:tailEnd type="triangle" w="lg" len="lg"/>
+          </a:ln>
+        </p:spPr>
+        <p:style>
+          <a:lnRef idx="1">
+            <a:schemeClr val="dk1"/>
+          </a:lnRef>
+          <a:fillRef idx="0">
+            <a:schemeClr val="dk1"/>
+          </a:fillRef>
+          <a:effectRef idx="0">
+            <a:schemeClr val="dk1"/>
+          </a:effectRef>
+          <a:fontRef idx="minor">
+            <a:schemeClr val="tx1"/>
+          </a:fontRef>
+        </p:style>
+      </p:cxnSp>
+      <p:sp>
+        <p:nvSpPr>
+          <p:cNvPr id="8" name="Ellipsi 7"/>
+          <p:cNvSpPr/>
+          <p:nvPr/>
+        </p:nvSpPr>
+        <p:spPr>
+          <a:xfrm>
+            <a:off x="5250229" y="2678174"/>
+            <a:ext cx="1197735" cy="850006"/>
+          </a:xfrm>
+          <a:prstGeom prst="ellipse">
+            <a:avLst/>
+          </a:prstGeom>
+        </p:spPr>
+        <p:style>
+          <a:lnRef idx="2">
+            <a:schemeClr val="dk1"/>
+          </a:lnRef>
+          <a:fillRef idx="1">
+            <a:schemeClr val="lt1"/>
+          </a:fillRef>
+          <a:effectRef idx="0">
+            <a:schemeClr val="dk1"/>
+          </a:effectRef>
+          <a:fontRef idx="minor">
+            <a:schemeClr val="dk1"/>
+          </a:fontRef>
+        </p:style>
+        <p:txBody>
+          <a:bodyPr rtlCol="0" anchor="ctr"/>
+          <a:lstStyle/>
+          <a:p>
+            <a:pPr algn="ctr"/>
+            <a:r>
+              <a:rPr lang="fi-FI" sz="3200" dirty="0"/>
+              <a:t>147</a:t>
+            </a:r>
+          </a:p>
+        </p:txBody>
+      </p:sp>
+      <p:sp>
+        <p:nvSpPr>
+          <p:cNvPr id="9" name="Ellipsi 8"/>
+          <p:cNvSpPr/>
+          <p:nvPr/>
+        </p:nvSpPr>
+        <p:spPr>
+          <a:xfrm>
+            <a:off x="5977886" y="4047613"/>
+            <a:ext cx="1197735" cy="850006"/>
+          </a:xfrm>
+          <a:prstGeom prst="ellipse">
+            <a:avLst/>
+          </a:prstGeom>
+        </p:spPr>
+        <p:style>
+          <a:lnRef idx="2">
+            <a:schemeClr val="dk1"/>
+          </a:lnRef>
+          <a:fillRef idx="1">
+            <a:schemeClr val="lt1"/>
+          </a:fillRef>
+          <a:effectRef idx="0">
+            <a:schemeClr val="dk1"/>
+          </a:effectRef>
+          <a:fontRef idx="minor">
+            <a:schemeClr val="dk1"/>
+          </a:fontRef>
+        </p:style>
+        <p:txBody>
+          <a:bodyPr rtlCol="0" anchor="ctr"/>
+          <a:lstStyle/>
+          <a:p>
+            <a:pPr algn="ctr"/>
+            <a:r>
+              <a:rPr lang="fi-FI" sz="3600" dirty="0"/>
+              <a:t>49</a:t>
+            </a:r>
+          </a:p>
+        </p:txBody>
+      </p:sp>
+      <p:sp>
+        <p:nvSpPr>
+          <p:cNvPr id="10" name="Ellipsi 9"/>
+          <p:cNvSpPr/>
+          <p:nvPr/>
+        </p:nvSpPr>
+        <p:spPr>
+          <a:xfrm>
+            <a:off x="4522571" y="4047613"/>
+            <a:ext cx="1197735" cy="850006"/>
+          </a:xfrm>
+          <a:prstGeom prst="ellipse">
+            <a:avLst/>
+          </a:prstGeom>
+        </p:spPr>
+        <p:style>
+          <a:lnRef idx="2">
+            <a:schemeClr val="dk1"/>
+          </a:lnRef>
+          <a:fillRef idx="1">
+            <a:schemeClr val="lt1"/>
+          </a:fillRef>
+          <a:effectRef idx="0">
+            <a:schemeClr val="dk1"/>
+          </a:effectRef>
+          <a:fontRef idx="minor">
+            <a:schemeClr val="dk1"/>
+          </a:fontRef>
+        </p:style>
+        <p:txBody>
+          <a:bodyPr rtlCol="0" anchor="ctr"/>
+          <a:lstStyle/>
+          <a:p>
+            <a:pPr algn="ctr"/>
+            <a:r>
+              <a:rPr lang="fi-FI" sz="3600" dirty="0"/>
+              <a:t>3</a:t>
+            </a:r>
+          </a:p>
+        </p:txBody>
+      </p:sp>
+      <p:sp>
+        <p:nvSpPr>
+          <p:cNvPr id="11" name="Ellipsi 10"/>
+          <p:cNvSpPr/>
+          <p:nvPr/>
+        </p:nvSpPr>
+        <p:spPr>
+          <a:xfrm>
+            <a:off x="3772030" y="2678174"/>
+            <a:ext cx="1197735" cy="850006"/>
+          </a:xfrm>
+          <a:prstGeom prst="ellipse">
+            <a:avLst/>
+          </a:prstGeom>
+        </p:spPr>
+        <p:style>
+          <a:lnRef idx="2">
+            <a:schemeClr val="dk1"/>
+          </a:lnRef>
+          <a:fillRef idx="1">
+            <a:schemeClr val="lt1"/>
+          </a:fillRef>
+          <a:effectRef idx="0">
+            <a:schemeClr val="dk1"/>
+          </a:effectRef>
+          <a:fontRef idx="minor">
+            <a:schemeClr val="dk1"/>
+          </a:fontRef>
+        </p:style>
+        <p:txBody>
+          <a:bodyPr rtlCol="0" anchor="ctr"/>
+          <a:lstStyle/>
+          <a:p>
+            <a:pPr algn="ctr"/>
+            <a:r>
+              <a:rPr lang="fi-FI" sz="3600" dirty="0"/>
+              <a:t>3</a:t>
+            </a:r>
+          </a:p>
+        </p:txBody>
+      </p:sp>
+      <p:cxnSp>
+        <p:nvCxnSpPr>
+          <p:cNvPr id="12" name="Suora nuoliyhdysviiva 11"/>
+          <p:cNvCxnSpPr>
+            <a:stCxn id="4" idx="5"/>
+            <a:endCxn id="8" idx="0"/>
+          </p:cNvCxnSpPr>
+          <p:nvPr/>
+        </p:nvCxnSpPr>
+        <p:spPr>
+          <a:xfrm>
+            <a:off x="5528721" y="2158741"/>
+            <a:ext cx="320376" cy="519433"/>
+          </a:xfrm>
+          <a:prstGeom prst="straightConnector1">
+            <a:avLst/>
+          </a:prstGeom>
+          <a:ln w="12700">
+            <a:tailEnd type="triangle" w="lg" len="lg"/>
+          </a:ln>
+        </p:spPr>
+        <p:style>
+          <a:lnRef idx="1">
+            <a:schemeClr val="dk1"/>
+          </a:lnRef>
+          <a:fillRef idx="0">
+            <a:schemeClr val="dk1"/>
+          </a:fillRef>
+          <a:effectRef idx="0">
+            <a:schemeClr val="dk1"/>
+          </a:effectRef>
+          <a:fontRef idx="minor">
+            <a:schemeClr val="tx1"/>
+          </a:fontRef>
+        </p:style>
+      </p:cxnSp>
+      <p:cxnSp>
+        <p:nvCxnSpPr>
+          <p:cNvPr id="13" name="Suora nuoliyhdysviiva 12"/>
+          <p:cNvCxnSpPr>
+            <a:stCxn id="4" idx="3"/>
+            <a:endCxn id="11" idx="0"/>
+          </p:cNvCxnSpPr>
+          <p:nvPr/>
+        </p:nvCxnSpPr>
+        <p:spPr>
+          <a:xfrm flipH="1">
+            <a:off x="4370898" y="2158741"/>
+            <a:ext cx="343260" cy="519433"/>
+          </a:xfrm>
+          <a:prstGeom prst="straightConnector1">
+            <a:avLst/>
+          </a:prstGeom>
+          <a:ln w="12700">
+            <a:tailEnd type="triangle" w="lg" len="lg"/>
+          </a:ln>
+        </p:spPr>
+        <p:style>
+          <a:lnRef idx="1">
+            <a:schemeClr val="dk1"/>
+          </a:lnRef>
+          <a:fillRef idx="0">
+            <a:schemeClr val="dk1"/>
+          </a:fillRef>
+          <a:effectRef idx="0">
+            <a:schemeClr val="dk1"/>
+          </a:effectRef>
+          <a:fontRef idx="minor">
+            <a:schemeClr val="tx1"/>
+          </a:fontRef>
+        </p:style>
+      </p:cxnSp>
+      <p:cxnSp>
+        <p:nvCxnSpPr>
+          <p:cNvPr id="14" name="Suora nuoliyhdysviiva 13"/>
+          <p:cNvCxnSpPr>
+            <a:stCxn id="8" idx="5"/>
+            <a:endCxn id="9" idx="0"/>
+          </p:cNvCxnSpPr>
+          <p:nvPr/>
+        </p:nvCxnSpPr>
+        <p:spPr>
+          <a:xfrm>
+            <a:off x="6272560" y="3403700"/>
+            <a:ext cx="304194" cy="643913"/>
+          </a:xfrm>
+          <a:prstGeom prst="straightConnector1">
+            <a:avLst/>
+          </a:prstGeom>
+          <a:ln w="12700">
+            <a:tailEnd type="triangle" w="lg" len="lg"/>
+          </a:ln>
+        </p:spPr>
+        <p:style>
+          <a:lnRef idx="1">
+            <a:schemeClr val="dk1"/>
+          </a:lnRef>
+          <a:fillRef idx="0">
+            <a:schemeClr val="dk1"/>
+          </a:fillRef>
+          <a:effectRef idx="0">
+            <a:schemeClr val="dk1"/>
+          </a:effectRef>
+          <a:fontRef idx="minor">
+            <a:schemeClr val="tx1"/>
+          </a:fontRef>
+        </p:style>
+      </p:cxnSp>
+      <p:cxnSp>
+        <p:nvCxnSpPr>
+          <p:cNvPr id="15" name="Suora nuoliyhdysviiva 14"/>
+          <p:cNvCxnSpPr>
+            <a:stCxn id="8" idx="3"/>
+            <a:endCxn id="10" idx="0"/>
+          </p:cNvCxnSpPr>
+          <p:nvPr/>
+        </p:nvCxnSpPr>
+        <p:spPr>
+          <a:xfrm flipH="1">
+            <a:off x="5121439" y="3403700"/>
+            <a:ext cx="304194" cy="643913"/>
+          </a:xfrm>
+          <a:prstGeom prst="straightConnector1">
+            <a:avLst/>
+          </a:prstGeom>
+          <a:ln w="12700">
+            <a:tailEnd type="triangle" w="lg" len="lg"/>
+          </a:ln>
+        </p:spPr>
+        <p:style>
+          <a:lnRef idx="1">
+            <a:schemeClr val="dk1"/>
+          </a:lnRef>
+          <a:fillRef idx="0">
+            <a:schemeClr val="dk1"/>
+          </a:fillRef>
+          <a:effectRef idx="0">
+            <a:schemeClr val="dk1"/>
+          </a:effectRef>
+          <a:fontRef idx="minor">
+            <a:schemeClr val="tx1"/>
+          </a:fontRef>
+        </p:style>
+      </p:cxnSp>
+      <p:sp>
+        <p:nvSpPr>
+          <p:cNvPr id="2" name="Ellipsi 1">
+            <a:extLst>
+              <a:ext uri="{FF2B5EF4-FFF2-40B4-BE49-F238E27FC236}">
+                <a16:creationId xmlns:a16="http://schemas.microsoft.com/office/drawing/2014/main" id="{7D586E0A-8F73-3DAA-8928-E839E9B68650}"/>
+              </a:ext>
+            </a:extLst>
+          </p:cNvPr>
+          <p:cNvSpPr/>
+          <p:nvPr/>
+        </p:nvSpPr>
+        <p:spPr>
+          <a:xfrm>
+            <a:off x="6686093" y="5297103"/>
+            <a:ext cx="1197735" cy="850006"/>
+          </a:xfrm>
+          <a:prstGeom prst="ellipse">
+            <a:avLst/>
+          </a:prstGeom>
+        </p:spPr>
+        <p:style>
+          <a:lnRef idx="2">
+            <a:schemeClr val="dk1"/>
+          </a:lnRef>
+          <a:fillRef idx="1">
+            <a:schemeClr val="lt1"/>
+          </a:fillRef>
+          <a:effectRef idx="0">
+            <a:schemeClr val="dk1"/>
+          </a:effectRef>
+          <a:fontRef idx="minor">
+            <a:schemeClr val="dk1"/>
+          </a:fontRef>
+        </p:style>
+        <p:txBody>
+          <a:bodyPr rtlCol="0" anchor="ctr"/>
+          <a:lstStyle/>
+          <a:p>
+            <a:pPr algn="ctr"/>
+            <a:r>
+              <a:rPr lang="fi-FI" sz="3600" dirty="0"/>
+              <a:t>7</a:t>
+            </a:r>
+          </a:p>
+        </p:txBody>
+      </p:sp>
+      <p:sp>
+        <p:nvSpPr>
+          <p:cNvPr id="16" name="Ellipsi 15">
+            <a:extLst>
+              <a:ext uri="{FF2B5EF4-FFF2-40B4-BE49-F238E27FC236}">
+                <a16:creationId xmlns:a16="http://schemas.microsoft.com/office/drawing/2014/main" id="{766FB99D-855A-B67E-1F09-D15BF19E9B53}"/>
+              </a:ext>
+            </a:extLst>
+          </p:cNvPr>
+          <p:cNvSpPr/>
+          <p:nvPr/>
+        </p:nvSpPr>
+        <p:spPr>
+          <a:xfrm>
+            <a:off x="5410078" y="5297103"/>
+            <a:ext cx="1197735" cy="850006"/>
+          </a:xfrm>
+          <a:prstGeom prst="ellipse">
+            <a:avLst/>
+          </a:prstGeom>
+        </p:spPr>
+        <p:style>
+          <a:lnRef idx="2">
+            <a:schemeClr val="dk1"/>
+          </a:lnRef>
+          <a:fillRef idx="1">
+            <a:schemeClr val="lt1"/>
+          </a:fillRef>
+          <a:effectRef idx="0">
+            <a:schemeClr val="dk1"/>
+          </a:effectRef>
+          <a:fontRef idx="minor">
+            <a:schemeClr val="dk1"/>
+          </a:fontRef>
+        </p:style>
+        <p:txBody>
+          <a:bodyPr rtlCol="0" anchor="ctr"/>
+          <a:lstStyle/>
+          <a:p>
+            <a:pPr algn="ctr"/>
+            <a:r>
+              <a:rPr lang="fi-FI" sz="3600" dirty="0"/>
+              <a:t>7</a:t>
+            </a:r>
+          </a:p>
+        </p:txBody>
+      </p:sp>
+      <p:cxnSp>
+        <p:nvCxnSpPr>
+          <p:cNvPr id="17" name="Suora nuoliyhdysviiva 16">
+            <a:extLst>
+              <a:ext uri="{FF2B5EF4-FFF2-40B4-BE49-F238E27FC236}">
+                <a16:creationId xmlns:a16="http://schemas.microsoft.com/office/drawing/2014/main" id="{2146EF64-748B-5990-7454-8F8E75AE65F2}"/>
+              </a:ext>
+            </a:extLst>
+          </p:cNvPr>
+          <p:cNvCxnSpPr>
+            <a:cxnSpLocks/>
+            <a:stCxn id="9" idx="3"/>
+            <a:endCxn id="16" idx="0"/>
+          </p:cNvCxnSpPr>
+          <p:nvPr/>
+        </p:nvCxnSpPr>
+        <p:spPr>
+          <a:xfrm flipH="1">
+            <a:off x="6008946" y="4773139"/>
+            <a:ext cx="144344" cy="523964"/>
+          </a:xfrm>
+          <a:prstGeom prst="straightConnector1">
+            <a:avLst/>
+          </a:prstGeom>
+          <a:ln w="12700">
+            <a:tailEnd type="triangle" w="lg" len="lg"/>
+          </a:ln>
+        </p:spPr>
+        <p:style>
+          <a:lnRef idx="1">
+            <a:schemeClr val="dk1"/>
+          </a:lnRef>
+          <a:fillRef idx="0">
+            <a:schemeClr val="dk1"/>
+          </a:fillRef>
+          <a:effectRef idx="0">
+            <a:schemeClr val="dk1"/>
+          </a:effectRef>
+          <a:fontRef idx="minor">
+            <a:schemeClr val="tx1"/>
+          </a:fontRef>
+        </p:style>
+      </p:cxnSp>
+      <p:cxnSp>
+        <p:nvCxnSpPr>
+          <p:cNvPr id="20" name="Suora nuoliyhdysviiva 19">
+            <a:extLst>
+              <a:ext uri="{FF2B5EF4-FFF2-40B4-BE49-F238E27FC236}">
+                <a16:creationId xmlns:a16="http://schemas.microsoft.com/office/drawing/2014/main" id="{4F16EBDE-87A2-C017-5DBE-3841F2CBC491}"/>
+              </a:ext>
+            </a:extLst>
+          </p:cNvPr>
+          <p:cNvCxnSpPr>
+            <a:cxnSpLocks/>
+            <a:stCxn id="9" idx="5"/>
+            <a:endCxn id="2" idx="0"/>
+          </p:cNvCxnSpPr>
+          <p:nvPr/>
+        </p:nvCxnSpPr>
+        <p:spPr>
+          <a:xfrm>
+            <a:off x="7000217" y="4773139"/>
+            <a:ext cx="284744" cy="523964"/>
+          </a:xfrm>
+          <a:prstGeom prst="straightConnector1">
+            <a:avLst/>
+          </a:prstGeom>
+          <a:ln w="12700">
+            <a:tailEnd type="triangle" w="lg" len="lg"/>
+          </a:ln>
+        </p:spPr>
+        <p:style>
+          <a:lnRef idx="1">
+            <a:schemeClr val="dk1"/>
+          </a:lnRef>
+          <a:fillRef idx="0">
+            <a:schemeClr val="dk1"/>
+          </a:fillRef>
+          <a:effectRef idx="0">
+            <a:schemeClr val="dk1"/>
+          </a:effectRef>
+          <a:fontRef idx="minor">
+            <a:schemeClr val="tx1"/>
+          </a:fontRef>
+        </p:style>
+      </p:cxnSp>
+    </p:spTree>
+    <p:extLst>
+      <p:ext uri="{BB962C8B-B14F-4D97-AF65-F5344CB8AC3E}">
+        <p14:creationId xmlns:p14="http://schemas.microsoft.com/office/powerpoint/2010/main" val="2931188440"/>
       </p:ext>
     </p:extLst>
   </p:cSld>
@@ -7294,10 +8194,9 @@
           <a:p>
             <a:pPr algn="ctr"/>
             <a:r>
-              <a:rPr lang="fi-FI" sz="3600" dirty="0" smtClean="0"/>
+              <a:rPr lang="fi-FI" sz="3600" dirty="0"/>
               <a:t>140</a:t>
             </a:r>
-            <a:endParaRPr lang="fi-FI" sz="3600" dirty="0"/>
           </a:p>
         </p:txBody>
       </p:sp>
@@ -7336,10 +8235,9 @@
           <a:p>
             <a:pPr algn="ctr"/>
             <a:r>
-              <a:rPr lang="fi-FI" sz="3600" dirty="0" smtClean="0"/>
+              <a:rPr lang="fi-FI" sz="3600" dirty="0"/>
               <a:t>10</a:t>
             </a:r>
-            <a:endParaRPr lang="fi-FI" sz="3600" dirty="0"/>
           </a:p>
         </p:txBody>
       </p:sp>
@@ -7378,10 +8276,9 @@
           <a:p>
             <a:pPr algn="ctr"/>
             <a:r>
-              <a:rPr lang="fi-FI" sz="3600" dirty="0" smtClean="0"/>
+              <a:rPr lang="fi-FI" sz="3600" dirty="0"/>
               <a:t>14</a:t>
             </a:r>
-            <a:endParaRPr lang="fi-FI" sz="3600" dirty="0"/>
           </a:p>
         </p:txBody>
       </p:sp>
@@ -7492,7 +8389,7 @@
           <a:p>
             <a:pPr algn="ctr"/>
             <a:r>
-              <a:rPr lang="fi-FI" sz="3600" dirty="0" smtClean="0"/>
+              <a:rPr lang="fi-FI" sz="3600" dirty="0"/>
               <a:t>5</a:t>
             </a:r>
           </a:p>
@@ -7533,10 +8430,9 @@
           <a:p>
             <a:pPr algn="ctr"/>
             <a:r>
-              <a:rPr lang="fi-FI" sz="3600" dirty="0" smtClean="0"/>
+              <a:rPr lang="fi-FI" sz="3600" dirty="0"/>
               <a:t>7</a:t>
             </a:r>
-            <a:endParaRPr lang="fi-FI" sz="3600" dirty="0"/>
           </a:p>
         </p:txBody>
       </p:sp>
@@ -7578,7 +8474,6 @@
               <a:rPr lang="fi-FI" sz="3600" dirty="0"/>
               <a:t>2</a:t>
             </a:r>
-            <a:endParaRPr lang="fi-FI" sz="3600" dirty="0"/>
           </a:p>
         </p:txBody>
       </p:sp>
@@ -7617,10 +8512,9 @@
           <a:p>
             <a:pPr algn="ctr"/>
             <a:r>
-              <a:rPr lang="fi-FI" sz="3600" dirty="0" smtClean="0"/>
+              <a:rPr lang="fi-FI" sz="3600" dirty="0"/>
               <a:t>2</a:t>
             </a:r>
-            <a:endParaRPr lang="fi-FI" sz="3600" dirty="0"/>
           </a:p>
         </p:txBody>
       </p:sp>
@@ -7772,6 +8666,2322 @@
     <p:extLst>
       <p:ext uri="{BB962C8B-B14F-4D97-AF65-F5344CB8AC3E}">
         <p14:creationId xmlns:p14="http://schemas.microsoft.com/office/powerpoint/2010/main" val="764812204"/>
+      </p:ext>
+    </p:extLst>
+  </p:cSld>
+  <p:clrMapOvr>
+    <a:masterClrMapping/>
+  </p:clrMapOvr>
+</p:sld>
+</file>
+
+<file path=ppt/slides/slide20.xml><?xml version="1.0" encoding="utf-8"?>
+<p:sld xmlns:a="http://schemas.openxmlformats.org/drawingml/2006/main" xmlns:r="http://schemas.openxmlformats.org/officeDocument/2006/relationships" xmlns:p="http://schemas.openxmlformats.org/presentationml/2006/main">
+  <p:cSld>
+    <p:spTree>
+      <p:nvGrpSpPr>
+        <p:cNvPr id="1" name=""/>
+        <p:cNvGrpSpPr/>
+        <p:nvPr/>
+      </p:nvGrpSpPr>
+      <p:grpSpPr>
+        <a:xfrm>
+          <a:off x="0" y="0"/>
+          <a:ext cx="0" cy="0"/>
+          <a:chOff x="0" y="0"/>
+          <a:chExt cx="0" cy="0"/>
+        </a:xfrm>
+      </p:grpSpPr>
+      <p:sp>
+        <p:nvSpPr>
+          <p:cNvPr id="3" name="Ellipsi 2"/>
+          <p:cNvSpPr/>
+          <p:nvPr/>
+        </p:nvSpPr>
+        <p:spPr>
+          <a:xfrm>
+            <a:off x="5497132" y="194065"/>
+            <a:ext cx="1197735" cy="850006"/>
+          </a:xfrm>
+          <a:prstGeom prst="ellipse">
+            <a:avLst/>
+          </a:prstGeom>
+        </p:spPr>
+        <p:style>
+          <a:lnRef idx="2">
+            <a:schemeClr val="dk1"/>
+          </a:lnRef>
+          <a:fillRef idx="1">
+            <a:schemeClr val="lt1"/>
+          </a:fillRef>
+          <a:effectRef idx="0">
+            <a:schemeClr val="dk1"/>
+          </a:effectRef>
+          <a:fontRef idx="minor">
+            <a:schemeClr val="dk1"/>
+          </a:fontRef>
+        </p:style>
+        <p:txBody>
+          <a:bodyPr rtlCol="0" anchor="ctr"/>
+          <a:lstStyle/>
+          <a:p>
+            <a:pPr algn="ctr"/>
+            <a:r>
+              <a:rPr lang="fi-FI" sz="2400" dirty="0"/>
+              <a:t>3360</a:t>
+            </a:r>
+          </a:p>
+        </p:txBody>
+      </p:sp>
+      <p:sp>
+        <p:nvSpPr>
+          <p:cNvPr id="4" name="Ellipsi 3"/>
+          <p:cNvSpPr/>
+          <p:nvPr/>
+        </p:nvSpPr>
+        <p:spPr>
+          <a:xfrm>
+            <a:off x="6982072" y="1288763"/>
+            <a:ext cx="1151965" cy="850006"/>
+          </a:xfrm>
+          <a:prstGeom prst="ellipse">
+            <a:avLst/>
+          </a:prstGeom>
+        </p:spPr>
+        <p:style>
+          <a:lnRef idx="2">
+            <a:schemeClr val="dk1"/>
+          </a:lnRef>
+          <a:fillRef idx="1">
+            <a:schemeClr val="lt1"/>
+          </a:fillRef>
+          <a:effectRef idx="0">
+            <a:schemeClr val="dk1"/>
+          </a:effectRef>
+          <a:fontRef idx="minor">
+            <a:schemeClr val="dk1"/>
+          </a:fontRef>
+        </p:style>
+        <p:txBody>
+          <a:bodyPr rtlCol="0" anchor="ctr"/>
+          <a:lstStyle/>
+          <a:p>
+            <a:pPr algn="ctr"/>
+            <a:r>
+              <a:rPr lang="fi-FI" sz="3200" dirty="0"/>
+              <a:t>112</a:t>
+            </a:r>
+          </a:p>
+        </p:txBody>
+      </p:sp>
+      <p:sp>
+        <p:nvSpPr>
+          <p:cNvPr id="5" name="Ellipsi 4"/>
+          <p:cNvSpPr/>
+          <p:nvPr/>
+        </p:nvSpPr>
+        <p:spPr>
+          <a:xfrm>
+            <a:off x="4060819" y="1273790"/>
+            <a:ext cx="1197735" cy="850006"/>
+          </a:xfrm>
+          <a:prstGeom prst="ellipse">
+            <a:avLst/>
+          </a:prstGeom>
+        </p:spPr>
+        <p:style>
+          <a:lnRef idx="2">
+            <a:schemeClr val="dk1"/>
+          </a:lnRef>
+          <a:fillRef idx="1">
+            <a:schemeClr val="lt1"/>
+          </a:fillRef>
+          <a:effectRef idx="0">
+            <a:schemeClr val="dk1"/>
+          </a:effectRef>
+          <a:fontRef idx="minor">
+            <a:schemeClr val="dk1"/>
+          </a:fontRef>
+        </p:style>
+        <p:txBody>
+          <a:bodyPr rtlCol="0" anchor="ctr"/>
+          <a:lstStyle/>
+          <a:p>
+            <a:pPr algn="ctr"/>
+            <a:r>
+              <a:rPr lang="fi-FI" sz="3600" dirty="0"/>
+              <a:t>30</a:t>
+            </a:r>
+          </a:p>
+        </p:txBody>
+      </p:sp>
+      <p:cxnSp>
+        <p:nvCxnSpPr>
+          <p:cNvPr id="6" name="Suora nuoliyhdysviiva 5"/>
+          <p:cNvCxnSpPr>
+            <a:stCxn id="3" idx="5"/>
+            <a:endCxn id="4" idx="0"/>
+          </p:cNvCxnSpPr>
+          <p:nvPr/>
+        </p:nvCxnSpPr>
+        <p:spPr>
+          <a:xfrm>
+            <a:off x="6519463" y="919591"/>
+            <a:ext cx="1038592" cy="369172"/>
+          </a:xfrm>
+          <a:prstGeom prst="straightConnector1">
+            <a:avLst/>
+          </a:prstGeom>
+          <a:ln w="12700">
+            <a:tailEnd type="triangle" w="lg" len="lg"/>
+          </a:ln>
+        </p:spPr>
+        <p:style>
+          <a:lnRef idx="1">
+            <a:schemeClr val="dk1"/>
+          </a:lnRef>
+          <a:fillRef idx="0">
+            <a:schemeClr val="dk1"/>
+          </a:fillRef>
+          <a:effectRef idx="0">
+            <a:schemeClr val="dk1"/>
+          </a:effectRef>
+          <a:fontRef idx="minor">
+            <a:schemeClr val="tx1"/>
+          </a:fontRef>
+        </p:style>
+      </p:cxnSp>
+      <p:cxnSp>
+        <p:nvCxnSpPr>
+          <p:cNvPr id="7" name="Suora nuoliyhdysviiva 6"/>
+          <p:cNvCxnSpPr>
+            <a:stCxn id="3" idx="3"/>
+            <a:endCxn id="5" idx="0"/>
+          </p:cNvCxnSpPr>
+          <p:nvPr/>
+        </p:nvCxnSpPr>
+        <p:spPr>
+          <a:xfrm flipH="1">
+            <a:off x="4659687" y="919591"/>
+            <a:ext cx="1012849" cy="354199"/>
+          </a:xfrm>
+          <a:prstGeom prst="straightConnector1">
+            <a:avLst/>
+          </a:prstGeom>
+          <a:ln w="12700">
+            <a:tailEnd type="triangle" w="lg" len="lg"/>
+          </a:ln>
+        </p:spPr>
+        <p:style>
+          <a:lnRef idx="1">
+            <a:schemeClr val="dk1"/>
+          </a:lnRef>
+          <a:fillRef idx="0">
+            <a:schemeClr val="dk1"/>
+          </a:fillRef>
+          <a:effectRef idx="0">
+            <a:schemeClr val="dk1"/>
+          </a:effectRef>
+          <a:fontRef idx="minor">
+            <a:schemeClr val="tx1"/>
+          </a:fontRef>
+        </p:style>
+      </p:cxnSp>
+      <p:sp>
+        <p:nvSpPr>
+          <p:cNvPr id="8" name="Ellipsi 7"/>
+          <p:cNvSpPr/>
+          <p:nvPr/>
+        </p:nvSpPr>
+        <p:spPr>
+          <a:xfrm>
+            <a:off x="7558054" y="2293561"/>
+            <a:ext cx="1197735" cy="850006"/>
+          </a:xfrm>
+          <a:prstGeom prst="ellipse">
+            <a:avLst/>
+          </a:prstGeom>
+        </p:spPr>
+        <p:style>
+          <a:lnRef idx="2">
+            <a:schemeClr val="dk1"/>
+          </a:lnRef>
+          <a:fillRef idx="1">
+            <a:schemeClr val="lt1"/>
+          </a:fillRef>
+          <a:effectRef idx="0">
+            <a:schemeClr val="dk1"/>
+          </a:effectRef>
+          <a:fontRef idx="minor">
+            <a:schemeClr val="dk1"/>
+          </a:fontRef>
+        </p:style>
+        <p:txBody>
+          <a:bodyPr rtlCol="0" anchor="ctr"/>
+          <a:lstStyle/>
+          <a:p>
+            <a:pPr algn="ctr"/>
+            <a:r>
+              <a:rPr lang="fi-FI" sz="3600" dirty="0"/>
+              <a:t>56</a:t>
+            </a:r>
+          </a:p>
+        </p:txBody>
+      </p:sp>
+      <p:sp>
+        <p:nvSpPr>
+          <p:cNvPr id="9" name="Ellipsi 8"/>
+          <p:cNvSpPr/>
+          <p:nvPr/>
+        </p:nvSpPr>
+        <p:spPr>
+          <a:xfrm>
+            <a:off x="8174851" y="3322959"/>
+            <a:ext cx="1197735" cy="850006"/>
+          </a:xfrm>
+          <a:prstGeom prst="ellipse">
+            <a:avLst/>
+          </a:prstGeom>
+        </p:spPr>
+        <p:style>
+          <a:lnRef idx="2">
+            <a:schemeClr val="dk1"/>
+          </a:lnRef>
+          <a:fillRef idx="1">
+            <a:schemeClr val="lt1"/>
+          </a:fillRef>
+          <a:effectRef idx="0">
+            <a:schemeClr val="dk1"/>
+          </a:effectRef>
+          <a:fontRef idx="minor">
+            <a:schemeClr val="dk1"/>
+          </a:fontRef>
+        </p:style>
+        <p:txBody>
+          <a:bodyPr rtlCol="0" anchor="ctr"/>
+          <a:lstStyle/>
+          <a:p>
+            <a:pPr algn="ctr"/>
+            <a:r>
+              <a:rPr lang="fi-FI" sz="3600" dirty="0"/>
+              <a:t>8</a:t>
+            </a:r>
+          </a:p>
+        </p:txBody>
+      </p:sp>
+      <p:sp>
+        <p:nvSpPr>
+          <p:cNvPr id="10" name="Ellipsi 9"/>
+          <p:cNvSpPr/>
+          <p:nvPr/>
+        </p:nvSpPr>
+        <p:spPr>
+          <a:xfrm>
+            <a:off x="6950221" y="3319427"/>
+            <a:ext cx="1197735" cy="850006"/>
+          </a:xfrm>
+          <a:prstGeom prst="ellipse">
+            <a:avLst/>
+          </a:prstGeom>
+        </p:spPr>
+        <p:style>
+          <a:lnRef idx="2">
+            <a:schemeClr val="dk1"/>
+          </a:lnRef>
+          <a:fillRef idx="1">
+            <a:schemeClr val="lt1"/>
+          </a:fillRef>
+          <a:effectRef idx="0">
+            <a:schemeClr val="dk1"/>
+          </a:effectRef>
+          <a:fontRef idx="minor">
+            <a:schemeClr val="dk1"/>
+          </a:fontRef>
+        </p:style>
+        <p:txBody>
+          <a:bodyPr rtlCol="0" anchor="ctr"/>
+          <a:lstStyle/>
+          <a:p>
+            <a:pPr algn="ctr"/>
+            <a:r>
+              <a:rPr lang="fi-FI" sz="3600" dirty="0"/>
+              <a:t>7</a:t>
+            </a:r>
+          </a:p>
+        </p:txBody>
+      </p:sp>
+      <p:sp>
+        <p:nvSpPr>
+          <p:cNvPr id="11" name="Ellipsi 10"/>
+          <p:cNvSpPr/>
+          <p:nvPr/>
+        </p:nvSpPr>
+        <p:spPr>
+          <a:xfrm>
+            <a:off x="6333424" y="2293561"/>
+            <a:ext cx="1197735" cy="850006"/>
+          </a:xfrm>
+          <a:prstGeom prst="ellipse">
+            <a:avLst/>
+          </a:prstGeom>
+        </p:spPr>
+        <p:style>
+          <a:lnRef idx="2">
+            <a:schemeClr val="dk1"/>
+          </a:lnRef>
+          <a:fillRef idx="1">
+            <a:schemeClr val="lt1"/>
+          </a:fillRef>
+          <a:effectRef idx="0">
+            <a:schemeClr val="dk1"/>
+          </a:effectRef>
+          <a:fontRef idx="minor">
+            <a:schemeClr val="dk1"/>
+          </a:fontRef>
+        </p:style>
+        <p:txBody>
+          <a:bodyPr rtlCol="0" anchor="ctr"/>
+          <a:lstStyle/>
+          <a:p>
+            <a:pPr algn="ctr"/>
+            <a:r>
+              <a:rPr lang="fi-FI" sz="3600" dirty="0"/>
+              <a:t>2</a:t>
+            </a:r>
+          </a:p>
+        </p:txBody>
+      </p:sp>
+      <p:cxnSp>
+        <p:nvCxnSpPr>
+          <p:cNvPr id="12" name="Suora nuoliyhdysviiva 11"/>
+          <p:cNvCxnSpPr>
+            <a:stCxn id="4" idx="5"/>
+            <a:endCxn id="8" idx="0"/>
+          </p:cNvCxnSpPr>
+          <p:nvPr/>
+        </p:nvCxnSpPr>
+        <p:spPr>
+          <a:xfrm>
+            <a:off x="7965336" y="2014289"/>
+            <a:ext cx="191586" cy="279272"/>
+          </a:xfrm>
+          <a:prstGeom prst="straightConnector1">
+            <a:avLst/>
+          </a:prstGeom>
+          <a:ln w="12700">
+            <a:tailEnd type="triangle" w="lg" len="lg"/>
+          </a:ln>
+        </p:spPr>
+        <p:style>
+          <a:lnRef idx="1">
+            <a:schemeClr val="dk1"/>
+          </a:lnRef>
+          <a:fillRef idx="0">
+            <a:schemeClr val="dk1"/>
+          </a:fillRef>
+          <a:effectRef idx="0">
+            <a:schemeClr val="dk1"/>
+          </a:effectRef>
+          <a:fontRef idx="minor">
+            <a:schemeClr val="tx1"/>
+          </a:fontRef>
+        </p:style>
+      </p:cxnSp>
+      <p:cxnSp>
+        <p:nvCxnSpPr>
+          <p:cNvPr id="13" name="Suora nuoliyhdysviiva 12"/>
+          <p:cNvCxnSpPr>
+            <a:cxnSpLocks/>
+            <a:stCxn id="4" idx="3"/>
+            <a:endCxn id="11" idx="0"/>
+          </p:cNvCxnSpPr>
+          <p:nvPr/>
+        </p:nvCxnSpPr>
+        <p:spPr>
+          <a:xfrm flipH="1">
+            <a:off x="6932292" y="2014289"/>
+            <a:ext cx="218481" cy="279272"/>
+          </a:xfrm>
+          <a:prstGeom prst="straightConnector1">
+            <a:avLst/>
+          </a:prstGeom>
+          <a:ln w="12700">
+            <a:tailEnd type="triangle" w="lg" len="lg"/>
+          </a:ln>
+        </p:spPr>
+        <p:style>
+          <a:lnRef idx="1">
+            <a:schemeClr val="dk1"/>
+          </a:lnRef>
+          <a:fillRef idx="0">
+            <a:schemeClr val="dk1"/>
+          </a:fillRef>
+          <a:effectRef idx="0">
+            <a:schemeClr val="dk1"/>
+          </a:effectRef>
+          <a:fontRef idx="minor">
+            <a:schemeClr val="tx1"/>
+          </a:fontRef>
+        </p:style>
+      </p:cxnSp>
+      <p:cxnSp>
+        <p:nvCxnSpPr>
+          <p:cNvPr id="14" name="Suora nuoliyhdysviiva 13"/>
+          <p:cNvCxnSpPr>
+            <a:stCxn id="8" idx="5"/>
+            <a:endCxn id="9" idx="0"/>
+          </p:cNvCxnSpPr>
+          <p:nvPr/>
+        </p:nvCxnSpPr>
+        <p:spPr>
+          <a:xfrm>
+            <a:off x="8580385" y="3019087"/>
+            <a:ext cx="193334" cy="303872"/>
+          </a:xfrm>
+          <a:prstGeom prst="straightConnector1">
+            <a:avLst/>
+          </a:prstGeom>
+          <a:ln w="12700">
+            <a:tailEnd type="triangle" w="lg" len="lg"/>
+          </a:ln>
+        </p:spPr>
+        <p:style>
+          <a:lnRef idx="1">
+            <a:schemeClr val="dk1"/>
+          </a:lnRef>
+          <a:fillRef idx="0">
+            <a:schemeClr val="dk1"/>
+          </a:fillRef>
+          <a:effectRef idx="0">
+            <a:schemeClr val="dk1"/>
+          </a:effectRef>
+          <a:fontRef idx="minor">
+            <a:schemeClr val="tx1"/>
+          </a:fontRef>
+        </p:style>
+      </p:cxnSp>
+      <p:cxnSp>
+        <p:nvCxnSpPr>
+          <p:cNvPr id="15" name="Suora nuoliyhdysviiva 14"/>
+          <p:cNvCxnSpPr>
+            <a:stCxn id="8" idx="3"/>
+            <a:endCxn id="10" idx="0"/>
+          </p:cNvCxnSpPr>
+          <p:nvPr/>
+        </p:nvCxnSpPr>
+        <p:spPr>
+          <a:xfrm flipH="1">
+            <a:off x="7549089" y="3019087"/>
+            <a:ext cx="184369" cy="300340"/>
+          </a:xfrm>
+          <a:prstGeom prst="straightConnector1">
+            <a:avLst/>
+          </a:prstGeom>
+          <a:ln w="12700">
+            <a:tailEnd type="triangle" w="lg" len="lg"/>
+          </a:ln>
+        </p:spPr>
+        <p:style>
+          <a:lnRef idx="1">
+            <a:schemeClr val="dk1"/>
+          </a:lnRef>
+          <a:fillRef idx="0">
+            <a:schemeClr val="dk1"/>
+          </a:fillRef>
+          <a:effectRef idx="0">
+            <a:schemeClr val="dk1"/>
+          </a:effectRef>
+          <a:fontRef idx="minor">
+            <a:schemeClr val="tx1"/>
+          </a:fontRef>
+        </p:style>
+      </p:cxnSp>
+      <p:sp>
+        <p:nvSpPr>
+          <p:cNvPr id="2" name="Ellipsi 1">
+            <a:extLst>
+              <a:ext uri="{FF2B5EF4-FFF2-40B4-BE49-F238E27FC236}">
+                <a16:creationId xmlns:a16="http://schemas.microsoft.com/office/drawing/2014/main" id="{7D586E0A-8F73-3DAA-8928-E839E9B68650}"/>
+              </a:ext>
+            </a:extLst>
+          </p:cNvPr>
+          <p:cNvSpPr/>
+          <p:nvPr/>
+        </p:nvSpPr>
+        <p:spPr>
+          <a:xfrm>
+            <a:off x="8774451" y="4324225"/>
+            <a:ext cx="1197735" cy="850006"/>
+          </a:xfrm>
+          <a:prstGeom prst="ellipse">
+            <a:avLst/>
+          </a:prstGeom>
+        </p:spPr>
+        <p:style>
+          <a:lnRef idx="2">
+            <a:schemeClr val="dk1"/>
+          </a:lnRef>
+          <a:fillRef idx="1">
+            <a:schemeClr val="lt1"/>
+          </a:fillRef>
+          <a:effectRef idx="0">
+            <a:schemeClr val="dk1"/>
+          </a:effectRef>
+          <a:fontRef idx="minor">
+            <a:schemeClr val="dk1"/>
+          </a:fontRef>
+        </p:style>
+        <p:txBody>
+          <a:bodyPr rtlCol="0" anchor="ctr"/>
+          <a:lstStyle/>
+          <a:p>
+            <a:pPr algn="ctr"/>
+            <a:r>
+              <a:rPr lang="fi-FI" sz="3600" dirty="0"/>
+              <a:t>4</a:t>
+            </a:r>
+          </a:p>
+        </p:txBody>
+      </p:sp>
+      <p:sp>
+        <p:nvSpPr>
+          <p:cNvPr id="16" name="Ellipsi 15">
+            <a:extLst>
+              <a:ext uri="{FF2B5EF4-FFF2-40B4-BE49-F238E27FC236}">
+                <a16:creationId xmlns:a16="http://schemas.microsoft.com/office/drawing/2014/main" id="{766FB99D-855A-B67E-1F09-D15BF19E9B53}"/>
+              </a:ext>
+            </a:extLst>
+          </p:cNvPr>
+          <p:cNvSpPr/>
+          <p:nvPr/>
+        </p:nvSpPr>
+        <p:spPr>
+          <a:xfrm>
+            <a:off x="7539392" y="4324225"/>
+            <a:ext cx="1197735" cy="850006"/>
+          </a:xfrm>
+          <a:prstGeom prst="ellipse">
+            <a:avLst/>
+          </a:prstGeom>
+        </p:spPr>
+        <p:style>
+          <a:lnRef idx="2">
+            <a:schemeClr val="dk1"/>
+          </a:lnRef>
+          <a:fillRef idx="1">
+            <a:schemeClr val="lt1"/>
+          </a:fillRef>
+          <a:effectRef idx="0">
+            <a:schemeClr val="dk1"/>
+          </a:effectRef>
+          <a:fontRef idx="minor">
+            <a:schemeClr val="dk1"/>
+          </a:fontRef>
+        </p:style>
+        <p:txBody>
+          <a:bodyPr rtlCol="0" anchor="ctr"/>
+          <a:lstStyle/>
+          <a:p>
+            <a:pPr algn="ctr"/>
+            <a:r>
+              <a:rPr lang="fi-FI" sz="3600" dirty="0"/>
+              <a:t>2</a:t>
+            </a:r>
+          </a:p>
+        </p:txBody>
+      </p:sp>
+      <p:sp>
+        <p:nvSpPr>
+          <p:cNvPr id="44" name="Ellipsi 43">
+            <a:extLst>
+              <a:ext uri="{FF2B5EF4-FFF2-40B4-BE49-F238E27FC236}">
+                <a16:creationId xmlns:a16="http://schemas.microsoft.com/office/drawing/2014/main" id="{86DC316B-A9E7-A9DA-4E9C-E96DAE0A19C7}"/>
+              </a:ext>
+            </a:extLst>
+          </p:cNvPr>
+          <p:cNvSpPr/>
+          <p:nvPr/>
+        </p:nvSpPr>
+        <p:spPr>
+          <a:xfrm>
+            <a:off x="4671294" y="2293561"/>
+            <a:ext cx="1197735" cy="850006"/>
+          </a:xfrm>
+          <a:prstGeom prst="ellipse">
+            <a:avLst/>
+          </a:prstGeom>
+        </p:spPr>
+        <p:style>
+          <a:lnRef idx="2">
+            <a:schemeClr val="dk1"/>
+          </a:lnRef>
+          <a:fillRef idx="1">
+            <a:schemeClr val="lt1"/>
+          </a:fillRef>
+          <a:effectRef idx="0">
+            <a:schemeClr val="dk1"/>
+          </a:effectRef>
+          <a:fontRef idx="minor">
+            <a:schemeClr val="dk1"/>
+          </a:fontRef>
+        </p:style>
+        <p:txBody>
+          <a:bodyPr rtlCol="0" anchor="ctr"/>
+          <a:lstStyle/>
+          <a:p>
+            <a:pPr algn="ctr"/>
+            <a:r>
+              <a:rPr lang="fi-FI" sz="3600" dirty="0"/>
+              <a:t>10</a:t>
+            </a:r>
+          </a:p>
+        </p:txBody>
+      </p:sp>
+      <p:sp>
+        <p:nvSpPr>
+          <p:cNvPr id="45" name="Ellipsi 44">
+            <a:extLst>
+              <a:ext uri="{FF2B5EF4-FFF2-40B4-BE49-F238E27FC236}">
+                <a16:creationId xmlns:a16="http://schemas.microsoft.com/office/drawing/2014/main" id="{C6CAD716-E558-E023-5FC5-ECD3C20B7CD6}"/>
+              </a:ext>
+            </a:extLst>
+          </p:cNvPr>
+          <p:cNvSpPr/>
+          <p:nvPr/>
+        </p:nvSpPr>
+        <p:spPr>
+          <a:xfrm>
+            <a:off x="3446665" y="2293561"/>
+            <a:ext cx="1197735" cy="850006"/>
+          </a:xfrm>
+          <a:prstGeom prst="ellipse">
+            <a:avLst/>
+          </a:prstGeom>
+        </p:spPr>
+        <p:style>
+          <a:lnRef idx="2">
+            <a:schemeClr val="dk1"/>
+          </a:lnRef>
+          <a:fillRef idx="1">
+            <a:schemeClr val="lt1"/>
+          </a:fillRef>
+          <a:effectRef idx="0">
+            <a:schemeClr val="dk1"/>
+          </a:effectRef>
+          <a:fontRef idx="minor">
+            <a:schemeClr val="dk1"/>
+          </a:fontRef>
+        </p:style>
+        <p:txBody>
+          <a:bodyPr rtlCol="0" anchor="ctr"/>
+          <a:lstStyle/>
+          <a:p>
+            <a:pPr algn="ctr"/>
+            <a:r>
+              <a:rPr lang="fi-FI" sz="3600" dirty="0"/>
+              <a:t>3</a:t>
+            </a:r>
+          </a:p>
+        </p:txBody>
+      </p:sp>
+      <p:cxnSp>
+        <p:nvCxnSpPr>
+          <p:cNvPr id="56" name="Suora nuoliyhdysviiva 55">
+            <a:extLst>
+              <a:ext uri="{FF2B5EF4-FFF2-40B4-BE49-F238E27FC236}">
+                <a16:creationId xmlns:a16="http://schemas.microsoft.com/office/drawing/2014/main" id="{222810C4-75E4-4D5A-8694-FB2B618FDB13}"/>
+              </a:ext>
+            </a:extLst>
+          </p:cNvPr>
+          <p:cNvCxnSpPr>
+            <a:cxnSpLocks/>
+            <a:stCxn id="5" idx="3"/>
+            <a:endCxn id="45" idx="0"/>
+          </p:cNvCxnSpPr>
+          <p:nvPr/>
+        </p:nvCxnSpPr>
+        <p:spPr>
+          <a:xfrm flipH="1">
+            <a:off x="4045533" y="1999316"/>
+            <a:ext cx="190690" cy="294245"/>
+          </a:xfrm>
+          <a:prstGeom prst="straightConnector1">
+            <a:avLst/>
+          </a:prstGeom>
+          <a:ln w="12700">
+            <a:tailEnd type="triangle"/>
+          </a:ln>
+        </p:spPr>
+        <p:style>
+          <a:lnRef idx="1">
+            <a:schemeClr val="dk1"/>
+          </a:lnRef>
+          <a:fillRef idx="0">
+            <a:schemeClr val="dk1"/>
+          </a:fillRef>
+          <a:effectRef idx="0">
+            <a:schemeClr val="dk1"/>
+          </a:effectRef>
+          <a:fontRef idx="minor">
+            <a:schemeClr val="tx1"/>
+          </a:fontRef>
+        </p:style>
+      </p:cxnSp>
+      <p:cxnSp>
+        <p:nvCxnSpPr>
+          <p:cNvPr id="59" name="Suora nuoliyhdysviiva 58">
+            <a:extLst>
+              <a:ext uri="{FF2B5EF4-FFF2-40B4-BE49-F238E27FC236}">
+                <a16:creationId xmlns:a16="http://schemas.microsoft.com/office/drawing/2014/main" id="{A41B6B17-A5C1-7048-6155-BDE67041FFBB}"/>
+              </a:ext>
+            </a:extLst>
+          </p:cNvPr>
+          <p:cNvCxnSpPr>
+            <a:stCxn id="5" idx="5"/>
+            <a:endCxn id="44" idx="0"/>
+          </p:cNvCxnSpPr>
+          <p:nvPr/>
+        </p:nvCxnSpPr>
+        <p:spPr>
+          <a:xfrm>
+            <a:off x="5083150" y="1999316"/>
+            <a:ext cx="187012" cy="294245"/>
+          </a:xfrm>
+          <a:prstGeom prst="straightConnector1">
+            <a:avLst/>
+          </a:prstGeom>
+          <a:ln w="12700">
+            <a:tailEnd type="triangle"/>
+          </a:ln>
+        </p:spPr>
+        <p:style>
+          <a:lnRef idx="1">
+            <a:schemeClr val="dk1"/>
+          </a:lnRef>
+          <a:fillRef idx="0">
+            <a:schemeClr val="dk1"/>
+          </a:fillRef>
+          <a:effectRef idx="0">
+            <a:schemeClr val="dk1"/>
+          </a:effectRef>
+          <a:fontRef idx="minor">
+            <a:schemeClr val="tx1"/>
+          </a:fontRef>
+        </p:style>
+      </p:cxnSp>
+      <p:sp>
+        <p:nvSpPr>
+          <p:cNvPr id="60" name="Ellipsi 59">
+            <a:extLst>
+              <a:ext uri="{FF2B5EF4-FFF2-40B4-BE49-F238E27FC236}">
+                <a16:creationId xmlns:a16="http://schemas.microsoft.com/office/drawing/2014/main" id="{131E723B-919D-C662-6517-899A1F4825BB}"/>
+              </a:ext>
+            </a:extLst>
+          </p:cNvPr>
+          <p:cNvSpPr/>
+          <p:nvPr/>
+        </p:nvSpPr>
+        <p:spPr>
+          <a:xfrm>
+            <a:off x="5286604" y="3313332"/>
+            <a:ext cx="1197735" cy="850006"/>
+          </a:xfrm>
+          <a:prstGeom prst="ellipse">
+            <a:avLst/>
+          </a:prstGeom>
+        </p:spPr>
+        <p:style>
+          <a:lnRef idx="2">
+            <a:schemeClr val="dk1"/>
+          </a:lnRef>
+          <a:fillRef idx="1">
+            <a:schemeClr val="lt1"/>
+          </a:fillRef>
+          <a:effectRef idx="0">
+            <a:schemeClr val="dk1"/>
+          </a:effectRef>
+          <a:fontRef idx="minor">
+            <a:schemeClr val="dk1"/>
+          </a:fontRef>
+        </p:style>
+        <p:txBody>
+          <a:bodyPr rtlCol="0" anchor="ctr"/>
+          <a:lstStyle/>
+          <a:p>
+            <a:pPr algn="ctr"/>
+            <a:r>
+              <a:rPr lang="fi-FI" sz="3600" dirty="0"/>
+              <a:t>5</a:t>
+            </a:r>
+          </a:p>
+        </p:txBody>
+      </p:sp>
+      <p:sp>
+        <p:nvSpPr>
+          <p:cNvPr id="61" name="Ellipsi 60">
+            <a:extLst>
+              <a:ext uri="{FF2B5EF4-FFF2-40B4-BE49-F238E27FC236}">
+                <a16:creationId xmlns:a16="http://schemas.microsoft.com/office/drawing/2014/main" id="{5C5BBAA9-A7D9-6066-52E9-573AC109826D}"/>
+              </a:ext>
+            </a:extLst>
+          </p:cNvPr>
+          <p:cNvSpPr/>
+          <p:nvPr/>
+        </p:nvSpPr>
+        <p:spPr>
+          <a:xfrm>
+            <a:off x="4060819" y="3322959"/>
+            <a:ext cx="1197735" cy="850006"/>
+          </a:xfrm>
+          <a:prstGeom prst="ellipse">
+            <a:avLst/>
+          </a:prstGeom>
+        </p:spPr>
+        <p:style>
+          <a:lnRef idx="2">
+            <a:schemeClr val="dk1"/>
+          </a:lnRef>
+          <a:fillRef idx="1">
+            <a:schemeClr val="lt1"/>
+          </a:fillRef>
+          <a:effectRef idx="0">
+            <a:schemeClr val="dk1"/>
+          </a:effectRef>
+          <a:fontRef idx="minor">
+            <a:schemeClr val="dk1"/>
+          </a:fontRef>
+        </p:style>
+        <p:txBody>
+          <a:bodyPr rtlCol="0" anchor="ctr"/>
+          <a:lstStyle/>
+          <a:p>
+            <a:pPr algn="ctr"/>
+            <a:r>
+              <a:rPr lang="fi-FI" sz="3600" dirty="0"/>
+              <a:t>2</a:t>
+            </a:r>
+          </a:p>
+        </p:txBody>
+      </p:sp>
+      <p:cxnSp>
+        <p:nvCxnSpPr>
+          <p:cNvPr id="63" name="Suora nuoliyhdysviiva 62">
+            <a:extLst>
+              <a:ext uri="{FF2B5EF4-FFF2-40B4-BE49-F238E27FC236}">
+                <a16:creationId xmlns:a16="http://schemas.microsoft.com/office/drawing/2014/main" id="{1E6C8B82-E79E-7CE3-F790-7343C939B99E}"/>
+              </a:ext>
+            </a:extLst>
+          </p:cNvPr>
+          <p:cNvCxnSpPr>
+            <a:stCxn id="44" idx="3"/>
+            <a:endCxn id="61" idx="0"/>
+          </p:cNvCxnSpPr>
+          <p:nvPr/>
+        </p:nvCxnSpPr>
+        <p:spPr>
+          <a:xfrm flipH="1">
+            <a:off x="4659687" y="3019087"/>
+            <a:ext cx="187011" cy="303872"/>
+          </a:xfrm>
+          <a:prstGeom prst="straightConnector1">
+            <a:avLst/>
+          </a:prstGeom>
+          <a:ln w="12700">
+            <a:tailEnd type="triangle"/>
+          </a:ln>
+        </p:spPr>
+        <p:style>
+          <a:lnRef idx="1">
+            <a:schemeClr val="dk1"/>
+          </a:lnRef>
+          <a:fillRef idx="0">
+            <a:schemeClr val="dk1"/>
+          </a:fillRef>
+          <a:effectRef idx="0">
+            <a:schemeClr val="dk1"/>
+          </a:effectRef>
+          <a:fontRef idx="minor">
+            <a:schemeClr val="tx1"/>
+          </a:fontRef>
+        </p:style>
+      </p:cxnSp>
+      <p:cxnSp>
+        <p:nvCxnSpPr>
+          <p:cNvPr id="65" name="Suora nuoliyhdysviiva 64">
+            <a:extLst>
+              <a:ext uri="{FF2B5EF4-FFF2-40B4-BE49-F238E27FC236}">
+                <a16:creationId xmlns:a16="http://schemas.microsoft.com/office/drawing/2014/main" id="{6AB71294-5164-D3C7-F185-E0843619CFC0}"/>
+              </a:ext>
+            </a:extLst>
+          </p:cNvPr>
+          <p:cNvCxnSpPr>
+            <a:stCxn id="44" idx="5"/>
+            <a:endCxn id="60" idx="0"/>
+          </p:cNvCxnSpPr>
+          <p:nvPr/>
+        </p:nvCxnSpPr>
+        <p:spPr>
+          <a:xfrm>
+            <a:off x="5693625" y="3019087"/>
+            <a:ext cx="191847" cy="294245"/>
+          </a:xfrm>
+          <a:prstGeom prst="straightConnector1">
+            <a:avLst/>
+          </a:prstGeom>
+          <a:ln w="12700">
+            <a:tailEnd type="triangle"/>
+          </a:ln>
+        </p:spPr>
+        <p:style>
+          <a:lnRef idx="1">
+            <a:schemeClr val="dk1"/>
+          </a:lnRef>
+          <a:fillRef idx="0">
+            <a:schemeClr val="dk1"/>
+          </a:fillRef>
+          <a:effectRef idx="0">
+            <a:schemeClr val="dk1"/>
+          </a:effectRef>
+          <a:fontRef idx="minor">
+            <a:schemeClr val="tx1"/>
+          </a:fontRef>
+        </p:style>
+      </p:cxnSp>
+      <p:cxnSp>
+        <p:nvCxnSpPr>
+          <p:cNvPr id="67" name="Suora nuoliyhdysviiva 66">
+            <a:extLst>
+              <a:ext uri="{FF2B5EF4-FFF2-40B4-BE49-F238E27FC236}">
+                <a16:creationId xmlns:a16="http://schemas.microsoft.com/office/drawing/2014/main" id="{373D1165-05DB-A21B-10B1-D032F1273CCF}"/>
+              </a:ext>
+            </a:extLst>
+          </p:cNvPr>
+          <p:cNvCxnSpPr>
+            <a:stCxn id="9" idx="3"/>
+            <a:endCxn id="16" idx="0"/>
+          </p:cNvCxnSpPr>
+          <p:nvPr/>
+        </p:nvCxnSpPr>
+        <p:spPr>
+          <a:xfrm flipH="1">
+            <a:off x="8138260" y="4048485"/>
+            <a:ext cx="211995" cy="275740"/>
+          </a:xfrm>
+          <a:prstGeom prst="straightConnector1">
+            <a:avLst/>
+          </a:prstGeom>
+          <a:ln w="12700">
+            <a:tailEnd type="triangle"/>
+          </a:ln>
+        </p:spPr>
+        <p:style>
+          <a:lnRef idx="1">
+            <a:schemeClr val="dk1"/>
+          </a:lnRef>
+          <a:fillRef idx="0">
+            <a:schemeClr val="dk1"/>
+          </a:fillRef>
+          <a:effectRef idx="0">
+            <a:schemeClr val="dk1"/>
+          </a:effectRef>
+          <a:fontRef idx="minor">
+            <a:schemeClr val="tx1"/>
+          </a:fontRef>
+        </p:style>
+      </p:cxnSp>
+      <p:cxnSp>
+        <p:nvCxnSpPr>
+          <p:cNvPr id="69" name="Suora nuoliyhdysviiva 68">
+            <a:extLst>
+              <a:ext uri="{FF2B5EF4-FFF2-40B4-BE49-F238E27FC236}">
+                <a16:creationId xmlns:a16="http://schemas.microsoft.com/office/drawing/2014/main" id="{806F4301-38CC-A1FA-5B7E-FCE0B877FD55}"/>
+              </a:ext>
+            </a:extLst>
+          </p:cNvPr>
+          <p:cNvCxnSpPr>
+            <a:stCxn id="9" idx="5"/>
+            <a:endCxn id="2" idx="0"/>
+          </p:cNvCxnSpPr>
+          <p:nvPr/>
+        </p:nvCxnSpPr>
+        <p:spPr>
+          <a:xfrm>
+            <a:off x="9197182" y="4048485"/>
+            <a:ext cx="176137" cy="275740"/>
+          </a:xfrm>
+          <a:prstGeom prst="straightConnector1">
+            <a:avLst/>
+          </a:prstGeom>
+          <a:ln w="12700">
+            <a:tailEnd type="triangle"/>
+          </a:ln>
+        </p:spPr>
+        <p:style>
+          <a:lnRef idx="1">
+            <a:schemeClr val="dk1"/>
+          </a:lnRef>
+          <a:fillRef idx="0">
+            <a:schemeClr val="dk1"/>
+          </a:fillRef>
+          <a:effectRef idx="0">
+            <a:schemeClr val="dk1"/>
+          </a:effectRef>
+          <a:fontRef idx="minor">
+            <a:schemeClr val="tx1"/>
+          </a:fontRef>
+        </p:style>
+      </p:cxnSp>
+      <p:sp>
+        <p:nvSpPr>
+          <p:cNvPr id="70" name="Ellipsi 69">
+            <a:extLst>
+              <a:ext uri="{FF2B5EF4-FFF2-40B4-BE49-F238E27FC236}">
+                <a16:creationId xmlns:a16="http://schemas.microsoft.com/office/drawing/2014/main" id="{9550E830-26EA-6590-DEC8-9575B38C348A}"/>
+              </a:ext>
+            </a:extLst>
+          </p:cNvPr>
+          <p:cNvSpPr/>
+          <p:nvPr/>
+        </p:nvSpPr>
+        <p:spPr>
+          <a:xfrm>
+            <a:off x="9412298" y="5319811"/>
+            <a:ext cx="1197735" cy="850006"/>
+          </a:xfrm>
+          <a:prstGeom prst="ellipse">
+            <a:avLst/>
+          </a:prstGeom>
+        </p:spPr>
+        <p:style>
+          <a:lnRef idx="2">
+            <a:schemeClr val="dk1"/>
+          </a:lnRef>
+          <a:fillRef idx="1">
+            <a:schemeClr val="lt1"/>
+          </a:fillRef>
+          <a:effectRef idx="0">
+            <a:schemeClr val="dk1"/>
+          </a:effectRef>
+          <a:fontRef idx="minor">
+            <a:schemeClr val="dk1"/>
+          </a:fontRef>
+        </p:style>
+        <p:txBody>
+          <a:bodyPr rtlCol="0" anchor="ctr"/>
+          <a:lstStyle/>
+          <a:p>
+            <a:pPr algn="ctr"/>
+            <a:r>
+              <a:rPr lang="fi-FI" sz="3600" dirty="0"/>
+              <a:t>2</a:t>
+            </a:r>
+          </a:p>
+        </p:txBody>
+      </p:sp>
+      <p:sp>
+        <p:nvSpPr>
+          <p:cNvPr id="71" name="Ellipsi 70">
+            <a:extLst>
+              <a:ext uri="{FF2B5EF4-FFF2-40B4-BE49-F238E27FC236}">
+                <a16:creationId xmlns:a16="http://schemas.microsoft.com/office/drawing/2014/main" id="{3BD64CD6-0F45-C1CB-B085-C677D214BA21}"/>
+              </a:ext>
+            </a:extLst>
+          </p:cNvPr>
+          <p:cNvSpPr/>
+          <p:nvPr/>
+        </p:nvSpPr>
+        <p:spPr>
+          <a:xfrm>
+            <a:off x="8177239" y="5319811"/>
+            <a:ext cx="1197735" cy="850006"/>
+          </a:xfrm>
+          <a:prstGeom prst="ellipse">
+            <a:avLst/>
+          </a:prstGeom>
+        </p:spPr>
+        <p:style>
+          <a:lnRef idx="2">
+            <a:schemeClr val="dk1"/>
+          </a:lnRef>
+          <a:fillRef idx="1">
+            <a:schemeClr val="lt1"/>
+          </a:fillRef>
+          <a:effectRef idx="0">
+            <a:schemeClr val="dk1"/>
+          </a:effectRef>
+          <a:fontRef idx="minor">
+            <a:schemeClr val="dk1"/>
+          </a:fontRef>
+        </p:style>
+        <p:txBody>
+          <a:bodyPr rtlCol="0" anchor="ctr"/>
+          <a:lstStyle/>
+          <a:p>
+            <a:pPr algn="ctr"/>
+            <a:r>
+              <a:rPr lang="fi-FI" sz="3600" dirty="0"/>
+              <a:t>2</a:t>
+            </a:r>
+          </a:p>
+        </p:txBody>
+      </p:sp>
+      <p:cxnSp>
+        <p:nvCxnSpPr>
+          <p:cNvPr id="73" name="Suora nuoliyhdysviiva 72">
+            <a:extLst>
+              <a:ext uri="{FF2B5EF4-FFF2-40B4-BE49-F238E27FC236}">
+                <a16:creationId xmlns:a16="http://schemas.microsoft.com/office/drawing/2014/main" id="{96A425F2-5A96-3EB4-DA18-1B387B1132BD}"/>
+              </a:ext>
+            </a:extLst>
+          </p:cNvPr>
+          <p:cNvCxnSpPr>
+            <a:stCxn id="2" idx="3"/>
+            <a:endCxn id="71" idx="0"/>
+          </p:cNvCxnSpPr>
+          <p:nvPr/>
+        </p:nvCxnSpPr>
+        <p:spPr>
+          <a:xfrm flipH="1">
+            <a:off x="8776107" y="5049751"/>
+            <a:ext cx="173748" cy="270060"/>
+          </a:xfrm>
+          <a:prstGeom prst="straightConnector1">
+            <a:avLst/>
+          </a:prstGeom>
+          <a:ln w="12700">
+            <a:tailEnd type="triangle"/>
+          </a:ln>
+        </p:spPr>
+        <p:style>
+          <a:lnRef idx="1">
+            <a:schemeClr val="dk1"/>
+          </a:lnRef>
+          <a:fillRef idx="0">
+            <a:schemeClr val="dk1"/>
+          </a:fillRef>
+          <a:effectRef idx="0">
+            <a:schemeClr val="dk1"/>
+          </a:effectRef>
+          <a:fontRef idx="minor">
+            <a:schemeClr val="tx1"/>
+          </a:fontRef>
+        </p:style>
+      </p:cxnSp>
+      <p:cxnSp>
+        <p:nvCxnSpPr>
+          <p:cNvPr id="75" name="Suora nuoliyhdysviiva 74">
+            <a:extLst>
+              <a:ext uri="{FF2B5EF4-FFF2-40B4-BE49-F238E27FC236}">
+                <a16:creationId xmlns:a16="http://schemas.microsoft.com/office/drawing/2014/main" id="{2A5E2754-7552-2F9C-FA23-48B9DC6E1AC3}"/>
+              </a:ext>
+            </a:extLst>
+          </p:cNvPr>
+          <p:cNvCxnSpPr>
+            <a:stCxn id="2" idx="5"/>
+            <a:endCxn id="70" idx="0"/>
+          </p:cNvCxnSpPr>
+          <p:nvPr/>
+        </p:nvCxnSpPr>
+        <p:spPr>
+          <a:xfrm>
+            <a:off x="9796782" y="5049751"/>
+            <a:ext cx="214384" cy="270060"/>
+          </a:xfrm>
+          <a:prstGeom prst="straightConnector1">
+            <a:avLst/>
+          </a:prstGeom>
+          <a:ln w="12700">
+            <a:tailEnd type="triangle"/>
+          </a:ln>
+        </p:spPr>
+        <p:style>
+          <a:lnRef idx="1">
+            <a:schemeClr val="dk1"/>
+          </a:lnRef>
+          <a:fillRef idx="0">
+            <a:schemeClr val="dk1"/>
+          </a:fillRef>
+          <a:effectRef idx="0">
+            <a:schemeClr val="dk1"/>
+          </a:effectRef>
+          <a:fontRef idx="minor">
+            <a:schemeClr val="tx1"/>
+          </a:fontRef>
+        </p:style>
+      </p:cxnSp>
+    </p:spTree>
+    <p:extLst>
+      <p:ext uri="{BB962C8B-B14F-4D97-AF65-F5344CB8AC3E}">
+        <p14:creationId xmlns:p14="http://schemas.microsoft.com/office/powerpoint/2010/main" val="2504722689"/>
+      </p:ext>
+    </p:extLst>
+  </p:cSld>
+  <p:clrMapOvr>
+    <a:masterClrMapping/>
+  </p:clrMapOvr>
+</p:sld>
+</file>
+
+<file path=ppt/slides/slide21.xml><?xml version="1.0" encoding="utf-8"?>
+<p:sld xmlns:a="http://schemas.openxmlformats.org/drawingml/2006/main" xmlns:r="http://schemas.openxmlformats.org/officeDocument/2006/relationships" xmlns:p="http://schemas.openxmlformats.org/presentationml/2006/main">
+  <p:cSld>
+    <p:spTree>
+      <p:nvGrpSpPr>
+        <p:cNvPr id="1" name=""/>
+        <p:cNvGrpSpPr/>
+        <p:nvPr/>
+      </p:nvGrpSpPr>
+      <p:grpSpPr>
+        <a:xfrm>
+          <a:off x="0" y="0"/>
+          <a:ext cx="0" cy="0"/>
+          <a:chOff x="0" y="0"/>
+          <a:chExt cx="0" cy="0"/>
+        </a:xfrm>
+      </p:grpSpPr>
+      <p:sp>
+        <p:nvSpPr>
+          <p:cNvPr id="3" name="Ellipsi 2"/>
+          <p:cNvSpPr/>
+          <p:nvPr/>
+        </p:nvSpPr>
+        <p:spPr>
+          <a:xfrm>
+            <a:off x="5497132" y="194065"/>
+            <a:ext cx="1197735" cy="850006"/>
+          </a:xfrm>
+          <a:prstGeom prst="ellipse">
+            <a:avLst/>
+          </a:prstGeom>
+        </p:spPr>
+        <p:style>
+          <a:lnRef idx="2">
+            <a:schemeClr val="dk1"/>
+          </a:lnRef>
+          <a:fillRef idx="1">
+            <a:schemeClr val="lt1"/>
+          </a:fillRef>
+          <a:effectRef idx="0">
+            <a:schemeClr val="dk1"/>
+          </a:effectRef>
+          <a:fontRef idx="minor">
+            <a:schemeClr val="dk1"/>
+          </a:fontRef>
+        </p:style>
+        <p:txBody>
+          <a:bodyPr rtlCol="0" anchor="ctr"/>
+          <a:lstStyle/>
+          <a:p>
+            <a:pPr algn="ctr"/>
+            <a:r>
+              <a:rPr lang="fi-FI" sz="2400" dirty="0"/>
+              <a:t>2520</a:t>
+            </a:r>
+          </a:p>
+        </p:txBody>
+      </p:sp>
+      <p:sp>
+        <p:nvSpPr>
+          <p:cNvPr id="4" name="Ellipsi 3"/>
+          <p:cNvSpPr/>
+          <p:nvPr/>
+        </p:nvSpPr>
+        <p:spPr>
+          <a:xfrm>
+            <a:off x="6982072" y="1288763"/>
+            <a:ext cx="1151965" cy="850006"/>
+          </a:xfrm>
+          <a:prstGeom prst="ellipse">
+            <a:avLst/>
+          </a:prstGeom>
+        </p:spPr>
+        <p:style>
+          <a:lnRef idx="2">
+            <a:schemeClr val="dk1"/>
+          </a:lnRef>
+          <a:fillRef idx="1">
+            <a:schemeClr val="lt1"/>
+          </a:fillRef>
+          <a:effectRef idx="0">
+            <a:schemeClr val="dk1"/>
+          </a:effectRef>
+          <a:fontRef idx="minor">
+            <a:schemeClr val="dk1"/>
+          </a:fontRef>
+        </p:style>
+        <p:txBody>
+          <a:bodyPr rtlCol="0" anchor="ctr"/>
+          <a:lstStyle/>
+          <a:p>
+            <a:pPr algn="ctr"/>
+            <a:r>
+              <a:rPr lang="fi-FI" sz="3200" dirty="0"/>
+              <a:t>126</a:t>
+            </a:r>
+          </a:p>
+        </p:txBody>
+      </p:sp>
+      <p:sp>
+        <p:nvSpPr>
+          <p:cNvPr id="5" name="Ellipsi 4"/>
+          <p:cNvSpPr/>
+          <p:nvPr/>
+        </p:nvSpPr>
+        <p:spPr>
+          <a:xfrm>
+            <a:off x="4060819" y="1273790"/>
+            <a:ext cx="1197735" cy="850006"/>
+          </a:xfrm>
+          <a:prstGeom prst="ellipse">
+            <a:avLst/>
+          </a:prstGeom>
+        </p:spPr>
+        <p:style>
+          <a:lnRef idx="2">
+            <a:schemeClr val="dk1"/>
+          </a:lnRef>
+          <a:fillRef idx="1">
+            <a:schemeClr val="lt1"/>
+          </a:fillRef>
+          <a:effectRef idx="0">
+            <a:schemeClr val="dk1"/>
+          </a:effectRef>
+          <a:fontRef idx="minor">
+            <a:schemeClr val="dk1"/>
+          </a:fontRef>
+        </p:style>
+        <p:txBody>
+          <a:bodyPr rtlCol="0" anchor="ctr"/>
+          <a:lstStyle/>
+          <a:p>
+            <a:pPr algn="ctr"/>
+            <a:r>
+              <a:rPr lang="fi-FI" sz="3600" dirty="0"/>
+              <a:t>20</a:t>
+            </a:r>
+          </a:p>
+        </p:txBody>
+      </p:sp>
+      <p:cxnSp>
+        <p:nvCxnSpPr>
+          <p:cNvPr id="6" name="Suora nuoliyhdysviiva 5"/>
+          <p:cNvCxnSpPr>
+            <a:stCxn id="3" idx="5"/>
+            <a:endCxn id="4" idx="0"/>
+          </p:cNvCxnSpPr>
+          <p:nvPr/>
+        </p:nvCxnSpPr>
+        <p:spPr>
+          <a:xfrm>
+            <a:off x="6519463" y="919591"/>
+            <a:ext cx="1038592" cy="369172"/>
+          </a:xfrm>
+          <a:prstGeom prst="straightConnector1">
+            <a:avLst/>
+          </a:prstGeom>
+          <a:ln w="12700">
+            <a:tailEnd type="triangle" w="lg" len="lg"/>
+          </a:ln>
+        </p:spPr>
+        <p:style>
+          <a:lnRef idx="1">
+            <a:schemeClr val="dk1"/>
+          </a:lnRef>
+          <a:fillRef idx="0">
+            <a:schemeClr val="dk1"/>
+          </a:fillRef>
+          <a:effectRef idx="0">
+            <a:schemeClr val="dk1"/>
+          </a:effectRef>
+          <a:fontRef idx="minor">
+            <a:schemeClr val="tx1"/>
+          </a:fontRef>
+        </p:style>
+      </p:cxnSp>
+      <p:cxnSp>
+        <p:nvCxnSpPr>
+          <p:cNvPr id="7" name="Suora nuoliyhdysviiva 6"/>
+          <p:cNvCxnSpPr>
+            <a:stCxn id="3" idx="3"/>
+            <a:endCxn id="5" idx="0"/>
+          </p:cNvCxnSpPr>
+          <p:nvPr/>
+        </p:nvCxnSpPr>
+        <p:spPr>
+          <a:xfrm flipH="1">
+            <a:off x="4659687" y="919591"/>
+            <a:ext cx="1012849" cy="354199"/>
+          </a:xfrm>
+          <a:prstGeom prst="straightConnector1">
+            <a:avLst/>
+          </a:prstGeom>
+          <a:ln w="12700">
+            <a:tailEnd type="triangle" w="lg" len="lg"/>
+          </a:ln>
+        </p:spPr>
+        <p:style>
+          <a:lnRef idx="1">
+            <a:schemeClr val="dk1"/>
+          </a:lnRef>
+          <a:fillRef idx="0">
+            <a:schemeClr val="dk1"/>
+          </a:fillRef>
+          <a:effectRef idx="0">
+            <a:schemeClr val="dk1"/>
+          </a:effectRef>
+          <a:fontRef idx="minor">
+            <a:schemeClr val="tx1"/>
+          </a:fontRef>
+        </p:style>
+      </p:cxnSp>
+      <p:sp>
+        <p:nvSpPr>
+          <p:cNvPr id="8" name="Ellipsi 7"/>
+          <p:cNvSpPr/>
+          <p:nvPr/>
+        </p:nvSpPr>
+        <p:spPr>
+          <a:xfrm>
+            <a:off x="7558054" y="2293561"/>
+            <a:ext cx="1197735" cy="850006"/>
+          </a:xfrm>
+          <a:prstGeom prst="ellipse">
+            <a:avLst/>
+          </a:prstGeom>
+        </p:spPr>
+        <p:style>
+          <a:lnRef idx="2">
+            <a:schemeClr val="dk1"/>
+          </a:lnRef>
+          <a:fillRef idx="1">
+            <a:schemeClr val="lt1"/>
+          </a:fillRef>
+          <a:effectRef idx="0">
+            <a:schemeClr val="dk1"/>
+          </a:effectRef>
+          <a:fontRef idx="minor">
+            <a:schemeClr val="dk1"/>
+          </a:fontRef>
+        </p:style>
+        <p:txBody>
+          <a:bodyPr rtlCol="0" anchor="ctr"/>
+          <a:lstStyle/>
+          <a:p>
+            <a:pPr algn="ctr"/>
+            <a:r>
+              <a:rPr lang="fi-FI" sz="3600" dirty="0"/>
+              <a:t>63</a:t>
+            </a:r>
+          </a:p>
+        </p:txBody>
+      </p:sp>
+      <p:sp>
+        <p:nvSpPr>
+          <p:cNvPr id="9" name="Ellipsi 8"/>
+          <p:cNvSpPr/>
+          <p:nvPr/>
+        </p:nvSpPr>
+        <p:spPr>
+          <a:xfrm>
+            <a:off x="8174851" y="3322959"/>
+            <a:ext cx="1197735" cy="850006"/>
+          </a:xfrm>
+          <a:prstGeom prst="ellipse">
+            <a:avLst/>
+          </a:prstGeom>
+        </p:spPr>
+        <p:style>
+          <a:lnRef idx="2">
+            <a:schemeClr val="dk1"/>
+          </a:lnRef>
+          <a:fillRef idx="1">
+            <a:schemeClr val="lt1"/>
+          </a:fillRef>
+          <a:effectRef idx="0">
+            <a:schemeClr val="dk1"/>
+          </a:effectRef>
+          <a:fontRef idx="minor">
+            <a:schemeClr val="dk1"/>
+          </a:fontRef>
+        </p:style>
+        <p:txBody>
+          <a:bodyPr rtlCol="0" anchor="ctr"/>
+          <a:lstStyle/>
+          <a:p>
+            <a:pPr algn="ctr"/>
+            <a:r>
+              <a:rPr lang="fi-FI" sz="3600" dirty="0"/>
+              <a:t>9</a:t>
+            </a:r>
+          </a:p>
+        </p:txBody>
+      </p:sp>
+      <p:sp>
+        <p:nvSpPr>
+          <p:cNvPr id="10" name="Ellipsi 9"/>
+          <p:cNvSpPr/>
+          <p:nvPr/>
+        </p:nvSpPr>
+        <p:spPr>
+          <a:xfrm>
+            <a:off x="6950221" y="3319427"/>
+            <a:ext cx="1197735" cy="850006"/>
+          </a:xfrm>
+          <a:prstGeom prst="ellipse">
+            <a:avLst/>
+          </a:prstGeom>
+        </p:spPr>
+        <p:style>
+          <a:lnRef idx="2">
+            <a:schemeClr val="dk1"/>
+          </a:lnRef>
+          <a:fillRef idx="1">
+            <a:schemeClr val="lt1"/>
+          </a:fillRef>
+          <a:effectRef idx="0">
+            <a:schemeClr val="dk1"/>
+          </a:effectRef>
+          <a:fontRef idx="minor">
+            <a:schemeClr val="dk1"/>
+          </a:fontRef>
+        </p:style>
+        <p:txBody>
+          <a:bodyPr rtlCol="0" anchor="ctr"/>
+          <a:lstStyle/>
+          <a:p>
+            <a:pPr algn="ctr"/>
+            <a:r>
+              <a:rPr lang="fi-FI" sz="3600" dirty="0"/>
+              <a:t>7</a:t>
+            </a:r>
+          </a:p>
+        </p:txBody>
+      </p:sp>
+      <p:sp>
+        <p:nvSpPr>
+          <p:cNvPr id="11" name="Ellipsi 10"/>
+          <p:cNvSpPr/>
+          <p:nvPr/>
+        </p:nvSpPr>
+        <p:spPr>
+          <a:xfrm>
+            <a:off x="6333424" y="2293561"/>
+            <a:ext cx="1197735" cy="850006"/>
+          </a:xfrm>
+          <a:prstGeom prst="ellipse">
+            <a:avLst/>
+          </a:prstGeom>
+        </p:spPr>
+        <p:style>
+          <a:lnRef idx="2">
+            <a:schemeClr val="dk1"/>
+          </a:lnRef>
+          <a:fillRef idx="1">
+            <a:schemeClr val="lt1"/>
+          </a:fillRef>
+          <a:effectRef idx="0">
+            <a:schemeClr val="dk1"/>
+          </a:effectRef>
+          <a:fontRef idx="minor">
+            <a:schemeClr val="dk1"/>
+          </a:fontRef>
+        </p:style>
+        <p:txBody>
+          <a:bodyPr rtlCol="0" anchor="ctr"/>
+          <a:lstStyle/>
+          <a:p>
+            <a:pPr algn="ctr"/>
+            <a:r>
+              <a:rPr lang="fi-FI" sz="3600" dirty="0"/>
+              <a:t>2</a:t>
+            </a:r>
+          </a:p>
+        </p:txBody>
+      </p:sp>
+      <p:cxnSp>
+        <p:nvCxnSpPr>
+          <p:cNvPr id="12" name="Suora nuoliyhdysviiva 11"/>
+          <p:cNvCxnSpPr>
+            <a:stCxn id="4" idx="5"/>
+            <a:endCxn id="8" idx="0"/>
+          </p:cNvCxnSpPr>
+          <p:nvPr/>
+        </p:nvCxnSpPr>
+        <p:spPr>
+          <a:xfrm>
+            <a:off x="7965336" y="2014289"/>
+            <a:ext cx="191586" cy="279272"/>
+          </a:xfrm>
+          <a:prstGeom prst="straightConnector1">
+            <a:avLst/>
+          </a:prstGeom>
+          <a:ln w="12700">
+            <a:tailEnd type="triangle" w="lg" len="lg"/>
+          </a:ln>
+        </p:spPr>
+        <p:style>
+          <a:lnRef idx="1">
+            <a:schemeClr val="dk1"/>
+          </a:lnRef>
+          <a:fillRef idx="0">
+            <a:schemeClr val="dk1"/>
+          </a:fillRef>
+          <a:effectRef idx="0">
+            <a:schemeClr val="dk1"/>
+          </a:effectRef>
+          <a:fontRef idx="minor">
+            <a:schemeClr val="tx1"/>
+          </a:fontRef>
+        </p:style>
+      </p:cxnSp>
+      <p:cxnSp>
+        <p:nvCxnSpPr>
+          <p:cNvPr id="13" name="Suora nuoliyhdysviiva 12"/>
+          <p:cNvCxnSpPr>
+            <a:cxnSpLocks/>
+            <a:stCxn id="4" idx="3"/>
+            <a:endCxn id="11" idx="0"/>
+          </p:cNvCxnSpPr>
+          <p:nvPr/>
+        </p:nvCxnSpPr>
+        <p:spPr>
+          <a:xfrm flipH="1">
+            <a:off x="6932292" y="2014289"/>
+            <a:ext cx="218481" cy="279272"/>
+          </a:xfrm>
+          <a:prstGeom prst="straightConnector1">
+            <a:avLst/>
+          </a:prstGeom>
+          <a:ln w="12700">
+            <a:tailEnd type="triangle" w="lg" len="lg"/>
+          </a:ln>
+        </p:spPr>
+        <p:style>
+          <a:lnRef idx="1">
+            <a:schemeClr val="dk1"/>
+          </a:lnRef>
+          <a:fillRef idx="0">
+            <a:schemeClr val="dk1"/>
+          </a:fillRef>
+          <a:effectRef idx="0">
+            <a:schemeClr val="dk1"/>
+          </a:effectRef>
+          <a:fontRef idx="minor">
+            <a:schemeClr val="tx1"/>
+          </a:fontRef>
+        </p:style>
+      </p:cxnSp>
+      <p:cxnSp>
+        <p:nvCxnSpPr>
+          <p:cNvPr id="14" name="Suora nuoliyhdysviiva 13"/>
+          <p:cNvCxnSpPr>
+            <a:stCxn id="8" idx="5"/>
+            <a:endCxn id="9" idx="0"/>
+          </p:cNvCxnSpPr>
+          <p:nvPr/>
+        </p:nvCxnSpPr>
+        <p:spPr>
+          <a:xfrm>
+            <a:off x="8580385" y="3019087"/>
+            <a:ext cx="193334" cy="303872"/>
+          </a:xfrm>
+          <a:prstGeom prst="straightConnector1">
+            <a:avLst/>
+          </a:prstGeom>
+          <a:ln w="12700">
+            <a:tailEnd type="triangle" w="lg" len="lg"/>
+          </a:ln>
+        </p:spPr>
+        <p:style>
+          <a:lnRef idx="1">
+            <a:schemeClr val="dk1"/>
+          </a:lnRef>
+          <a:fillRef idx="0">
+            <a:schemeClr val="dk1"/>
+          </a:fillRef>
+          <a:effectRef idx="0">
+            <a:schemeClr val="dk1"/>
+          </a:effectRef>
+          <a:fontRef idx="minor">
+            <a:schemeClr val="tx1"/>
+          </a:fontRef>
+        </p:style>
+      </p:cxnSp>
+      <p:cxnSp>
+        <p:nvCxnSpPr>
+          <p:cNvPr id="15" name="Suora nuoliyhdysviiva 14"/>
+          <p:cNvCxnSpPr>
+            <a:stCxn id="8" idx="3"/>
+            <a:endCxn id="10" idx="0"/>
+          </p:cNvCxnSpPr>
+          <p:nvPr/>
+        </p:nvCxnSpPr>
+        <p:spPr>
+          <a:xfrm flipH="1">
+            <a:off x="7549089" y="3019087"/>
+            <a:ext cx="184369" cy="300340"/>
+          </a:xfrm>
+          <a:prstGeom prst="straightConnector1">
+            <a:avLst/>
+          </a:prstGeom>
+          <a:ln w="12700">
+            <a:tailEnd type="triangle" w="lg" len="lg"/>
+          </a:ln>
+        </p:spPr>
+        <p:style>
+          <a:lnRef idx="1">
+            <a:schemeClr val="dk1"/>
+          </a:lnRef>
+          <a:fillRef idx="0">
+            <a:schemeClr val="dk1"/>
+          </a:fillRef>
+          <a:effectRef idx="0">
+            <a:schemeClr val="dk1"/>
+          </a:effectRef>
+          <a:fontRef idx="minor">
+            <a:schemeClr val="tx1"/>
+          </a:fontRef>
+        </p:style>
+      </p:cxnSp>
+      <p:sp>
+        <p:nvSpPr>
+          <p:cNvPr id="2" name="Ellipsi 1">
+            <a:extLst>
+              <a:ext uri="{FF2B5EF4-FFF2-40B4-BE49-F238E27FC236}">
+                <a16:creationId xmlns:a16="http://schemas.microsoft.com/office/drawing/2014/main" id="{7D586E0A-8F73-3DAA-8928-E839E9B68650}"/>
+              </a:ext>
+            </a:extLst>
+          </p:cNvPr>
+          <p:cNvSpPr/>
+          <p:nvPr/>
+        </p:nvSpPr>
+        <p:spPr>
+          <a:xfrm>
+            <a:off x="8774451" y="4324225"/>
+            <a:ext cx="1197735" cy="850006"/>
+          </a:xfrm>
+          <a:prstGeom prst="ellipse">
+            <a:avLst/>
+          </a:prstGeom>
+        </p:spPr>
+        <p:style>
+          <a:lnRef idx="2">
+            <a:schemeClr val="dk1"/>
+          </a:lnRef>
+          <a:fillRef idx="1">
+            <a:schemeClr val="lt1"/>
+          </a:fillRef>
+          <a:effectRef idx="0">
+            <a:schemeClr val="dk1"/>
+          </a:effectRef>
+          <a:fontRef idx="minor">
+            <a:schemeClr val="dk1"/>
+          </a:fontRef>
+        </p:style>
+        <p:txBody>
+          <a:bodyPr rtlCol="0" anchor="ctr"/>
+          <a:lstStyle/>
+          <a:p>
+            <a:pPr algn="ctr"/>
+            <a:r>
+              <a:rPr lang="fi-FI" sz="3600" dirty="0"/>
+              <a:t>3</a:t>
+            </a:r>
+          </a:p>
+        </p:txBody>
+      </p:sp>
+      <p:sp>
+        <p:nvSpPr>
+          <p:cNvPr id="16" name="Ellipsi 15">
+            <a:extLst>
+              <a:ext uri="{FF2B5EF4-FFF2-40B4-BE49-F238E27FC236}">
+                <a16:creationId xmlns:a16="http://schemas.microsoft.com/office/drawing/2014/main" id="{766FB99D-855A-B67E-1F09-D15BF19E9B53}"/>
+              </a:ext>
+            </a:extLst>
+          </p:cNvPr>
+          <p:cNvSpPr/>
+          <p:nvPr/>
+        </p:nvSpPr>
+        <p:spPr>
+          <a:xfrm>
+            <a:off x="7539392" y="4324225"/>
+            <a:ext cx="1197735" cy="850006"/>
+          </a:xfrm>
+          <a:prstGeom prst="ellipse">
+            <a:avLst/>
+          </a:prstGeom>
+        </p:spPr>
+        <p:style>
+          <a:lnRef idx="2">
+            <a:schemeClr val="dk1"/>
+          </a:lnRef>
+          <a:fillRef idx="1">
+            <a:schemeClr val="lt1"/>
+          </a:fillRef>
+          <a:effectRef idx="0">
+            <a:schemeClr val="dk1"/>
+          </a:effectRef>
+          <a:fontRef idx="minor">
+            <a:schemeClr val="dk1"/>
+          </a:fontRef>
+        </p:style>
+        <p:txBody>
+          <a:bodyPr rtlCol="0" anchor="ctr"/>
+          <a:lstStyle/>
+          <a:p>
+            <a:pPr algn="ctr"/>
+            <a:r>
+              <a:rPr lang="fi-FI" sz="3600" dirty="0"/>
+              <a:t>3</a:t>
+            </a:r>
+          </a:p>
+        </p:txBody>
+      </p:sp>
+      <p:sp>
+        <p:nvSpPr>
+          <p:cNvPr id="44" name="Ellipsi 43">
+            <a:extLst>
+              <a:ext uri="{FF2B5EF4-FFF2-40B4-BE49-F238E27FC236}">
+                <a16:creationId xmlns:a16="http://schemas.microsoft.com/office/drawing/2014/main" id="{86DC316B-A9E7-A9DA-4E9C-E96DAE0A19C7}"/>
+              </a:ext>
+            </a:extLst>
+          </p:cNvPr>
+          <p:cNvSpPr/>
+          <p:nvPr/>
+        </p:nvSpPr>
+        <p:spPr>
+          <a:xfrm>
+            <a:off x="4671294" y="2293561"/>
+            <a:ext cx="1197735" cy="850006"/>
+          </a:xfrm>
+          <a:prstGeom prst="ellipse">
+            <a:avLst/>
+          </a:prstGeom>
+        </p:spPr>
+        <p:style>
+          <a:lnRef idx="2">
+            <a:schemeClr val="dk1"/>
+          </a:lnRef>
+          <a:fillRef idx="1">
+            <a:schemeClr val="lt1"/>
+          </a:fillRef>
+          <a:effectRef idx="0">
+            <a:schemeClr val="dk1"/>
+          </a:effectRef>
+          <a:fontRef idx="minor">
+            <a:schemeClr val="dk1"/>
+          </a:fontRef>
+        </p:style>
+        <p:txBody>
+          <a:bodyPr rtlCol="0" anchor="ctr"/>
+          <a:lstStyle/>
+          <a:p>
+            <a:pPr algn="ctr"/>
+            <a:r>
+              <a:rPr lang="fi-FI" sz="3600" dirty="0"/>
+              <a:t>10</a:t>
+            </a:r>
+          </a:p>
+        </p:txBody>
+      </p:sp>
+      <p:sp>
+        <p:nvSpPr>
+          <p:cNvPr id="45" name="Ellipsi 44">
+            <a:extLst>
+              <a:ext uri="{FF2B5EF4-FFF2-40B4-BE49-F238E27FC236}">
+                <a16:creationId xmlns:a16="http://schemas.microsoft.com/office/drawing/2014/main" id="{C6CAD716-E558-E023-5FC5-ECD3C20B7CD6}"/>
+              </a:ext>
+            </a:extLst>
+          </p:cNvPr>
+          <p:cNvSpPr/>
+          <p:nvPr/>
+        </p:nvSpPr>
+        <p:spPr>
+          <a:xfrm>
+            <a:off x="3446665" y="2293561"/>
+            <a:ext cx="1197735" cy="850006"/>
+          </a:xfrm>
+          <a:prstGeom prst="ellipse">
+            <a:avLst/>
+          </a:prstGeom>
+        </p:spPr>
+        <p:style>
+          <a:lnRef idx="2">
+            <a:schemeClr val="dk1"/>
+          </a:lnRef>
+          <a:fillRef idx="1">
+            <a:schemeClr val="lt1"/>
+          </a:fillRef>
+          <a:effectRef idx="0">
+            <a:schemeClr val="dk1"/>
+          </a:effectRef>
+          <a:fontRef idx="minor">
+            <a:schemeClr val="dk1"/>
+          </a:fontRef>
+        </p:style>
+        <p:txBody>
+          <a:bodyPr rtlCol="0" anchor="ctr"/>
+          <a:lstStyle/>
+          <a:p>
+            <a:pPr algn="ctr"/>
+            <a:r>
+              <a:rPr lang="fi-FI" sz="3600" dirty="0"/>
+              <a:t>2</a:t>
+            </a:r>
+          </a:p>
+        </p:txBody>
+      </p:sp>
+      <p:cxnSp>
+        <p:nvCxnSpPr>
+          <p:cNvPr id="56" name="Suora nuoliyhdysviiva 55">
+            <a:extLst>
+              <a:ext uri="{FF2B5EF4-FFF2-40B4-BE49-F238E27FC236}">
+                <a16:creationId xmlns:a16="http://schemas.microsoft.com/office/drawing/2014/main" id="{222810C4-75E4-4D5A-8694-FB2B618FDB13}"/>
+              </a:ext>
+            </a:extLst>
+          </p:cNvPr>
+          <p:cNvCxnSpPr>
+            <a:cxnSpLocks/>
+            <a:stCxn id="5" idx="3"/>
+            <a:endCxn id="45" idx="0"/>
+          </p:cNvCxnSpPr>
+          <p:nvPr/>
+        </p:nvCxnSpPr>
+        <p:spPr>
+          <a:xfrm flipH="1">
+            <a:off x="4045533" y="1999316"/>
+            <a:ext cx="190690" cy="294245"/>
+          </a:xfrm>
+          <a:prstGeom prst="straightConnector1">
+            <a:avLst/>
+          </a:prstGeom>
+          <a:ln w="12700">
+            <a:tailEnd type="triangle"/>
+          </a:ln>
+        </p:spPr>
+        <p:style>
+          <a:lnRef idx="1">
+            <a:schemeClr val="dk1"/>
+          </a:lnRef>
+          <a:fillRef idx="0">
+            <a:schemeClr val="dk1"/>
+          </a:fillRef>
+          <a:effectRef idx="0">
+            <a:schemeClr val="dk1"/>
+          </a:effectRef>
+          <a:fontRef idx="minor">
+            <a:schemeClr val="tx1"/>
+          </a:fontRef>
+        </p:style>
+      </p:cxnSp>
+      <p:cxnSp>
+        <p:nvCxnSpPr>
+          <p:cNvPr id="59" name="Suora nuoliyhdysviiva 58">
+            <a:extLst>
+              <a:ext uri="{FF2B5EF4-FFF2-40B4-BE49-F238E27FC236}">
+                <a16:creationId xmlns:a16="http://schemas.microsoft.com/office/drawing/2014/main" id="{A41B6B17-A5C1-7048-6155-BDE67041FFBB}"/>
+              </a:ext>
+            </a:extLst>
+          </p:cNvPr>
+          <p:cNvCxnSpPr>
+            <a:stCxn id="5" idx="5"/>
+            <a:endCxn id="44" idx="0"/>
+          </p:cNvCxnSpPr>
+          <p:nvPr/>
+        </p:nvCxnSpPr>
+        <p:spPr>
+          <a:xfrm>
+            <a:off x="5083150" y="1999316"/>
+            <a:ext cx="187012" cy="294245"/>
+          </a:xfrm>
+          <a:prstGeom prst="straightConnector1">
+            <a:avLst/>
+          </a:prstGeom>
+          <a:ln w="12700">
+            <a:tailEnd type="triangle"/>
+          </a:ln>
+        </p:spPr>
+        <p:style>
+          <a:lnRef idx="1">
+            <a:schemeClr val="dk1"/>
+          </a:lnRef>
+          <a:fillRef idx="0">
+            <a:schemeClr val="dk1"/>
+          </a:fillRef>
+          <a:effectRef idx="0">
+            <a:schemeClr val="dk1"/>
+          </a:effectRef>
+          <a:fontRef idx="minor">
+            <a:schemeClr val="tx1"/>
+          </a:fontRef>
+        </p:style>
+      </p:cxnSp>
+      <p:sp>
+        <p:nvSpPr>
+          <p:cNvPr id="60" name="Ellipsi 59">
+            <a:extLst>
+              <a:ext uri="{FF2B5EF4-FFF2-40B4-BE49-F238E27FC236}">
+                <a16:creationId xmlns:a16="http://schemas.microsoft.com/office/drawing/2014/main" id="{131E723B-919D-C662-6517-899A1F4825BB}"/>
+              </a:ext>
+            </a:extLst>
+          </p:cNvPr>
+          <p:cNvSpPr/>
+          <p:nvPr/>
+        </p:nvSpPr>
+        <p:spPr>
+          <a:xfrm>
+            <a:off x="5286604" y="3313332"/>
+            <a:ext cx="1197735" cy="850006"/>
+          </a:xfrm>
+          <a:prstGeom prst="ellipse">
+            <a:avLst/>
+          </a:prstGeom>
+        </p:spPr>
+        <p:style>
+          <a:lnRef idx="2">
+            <a:schemeClr val="dk1"/>
+          </a:lnRef>
+          <a:fillRef idx="1">
+            <a:schemeClr val="lt1"/>
+          </a:fillRef>
+          <a:effectRef idx="0">
+            <a:schemeClr val="dk1"/>
+          </a:effectRef>
+          <a:fontRef idx="minor">
+            <a:schemeClr val="dk1"/>
+          </a:fontRef>
+        </p:style>
+        <p:txBody>
+          <a:bodyPr rtlCol="0" anchor="ctr"/>
+          <a:lstStyle/>
+          <a:p>
+            <a:pPr algn="ctr"/>
+            <a:r>
+              <a:rPr lang="fi-FI" sz="3600" dirty="0"/>
+              <a:t>5</a:t>
+            </a:r>
+          </a:p>
+        </p:txBody>
+      </p:sp>
+      <p:sp>
+        <p:nvSpPr>
+          <p:cNvPr id="61" name="Ellipsi 60">
+            <a:extLst>
+              <a:ext uri="{FF2B5EF4-FFF2-40B4-BE49-F238E27FC236}">
+                <a16:creationId xmlns:a16="http://schemas.microsoft.com/office/drawing/2014/main" id="{5C5BBAA9-A7D9-6066-52E9-573AC109826D}"/>
+              </a:ext>
+            </a:extLst>
+          </p:cNvPr>
+          <p:cNvSpPr/>
+          <p:nvPr/>
+        </p:nvSpPr>
+        <p:spPr>
+          <a:xfrm>
+            <a:off x="4060819" y="3322959"/>
+            <a:ext cx="1197735" cy="850006"/>
+          </a:xfrm>
+          <a:prstGeom prst="ellipse">
+            <a:avLst/>
+          </a:prstGeom>
+        </p:spPr>
+        <p:style>
+          <a:lnRef idx="2">
+            <a:schemeClr val="dk1"/>
+          </a:lnRef>
+          <a:fillRef idx="1">
+            <a:schemeClr val="lt1"/>
+          </a:fillRef>
+          <a:effectRef idx="0">
+            <a:schemeClr val="dk1"/>
+          </a:effectRef>
+          <a:fontRef idx="minor">
+            <a:schemeClr val="dk1"/>
+          </a:fontRef>
+        </p:style>
+        <p:txBody>
+          <a:bodyPr rtlCol="0" anchor="ctr"/>
+          <a:lstStyle/>
+          <a:p>
+            <a:pPr algn="ctr"/>
+            <a:r>
+              <a:rPr lang="fi-FI" sz="3600" dirty="0"/>
+              <a:t>2</a:t>
+            </a:r>
+          </a:p>
+        </p:txBody>
+      </p:sp>
+      <p:cxnSp>
+        <p:nvCxnSpPr>
+          <p:cNvPr id="63" name="Suora nuoliyhdysviiva 62">
+            <a:extLst>
+              <a:ext uri="{FF2B5EF4-FFF2-40B4-BE49-F238E27FC236}">
+                <a16:creationId xmlns:a16="http://schemas.microsoft.com/office/drawing/2014/main" id="{1E6C8B82-E79E-7CE3-F790-7343C939B99E}"/>
+              </a:ext>
+            </a:extLst>
+          </p:cNvPr>
+          <p:cNvCxnSpPr>
+            <a:stCxn id="44" idx="3"/>
+            <a:endCxn id="61" idx="0"/>
+          </p:cNvCxnSpPr>
+          <p:nvPr/>
+        </p:nvCxnSpPr>
+        <p:spPr>
+          <a:xfrm flipH="1">
+            <a:off x="4659687" y="3019087"/>
+            <a:ext cx="187011" cy="303872"/>
+          </a:xfrm>
+          <a:prstGeom prst="straightConnector1">
+            <a:avLst/>
+          </a:prstGeom>
+          <a:ln w="12700">
+            <a:tailEnd type="triangle"/>
+          </a:ln>
+        </p:spPr>
+        <p:style>
+          <a:lnRef idx="1">
+            <a:schemeClr val="dk1"/>
+          </a:lnRef>
+          <a:fillRef idx="0">
+            <a:schemeClr val="dk1"/>
+          </a:fillRef>
+          <a:effectRef idx="0">
+            <a:schemeClr val="dk1"/>
+          </a:effectRef>
+          <a:fontRef idx="minor">
+            <a:schemeClr val="tx1"/>
+          </a:fontRef>
+        </p:style>
+      </p:cxnSp>
+      <p:cxnSp>
+        <p:nvCxnSpPr>
+          <p:cNvPr id="65" name="Suora nuoliyhdysviiva 64">
+            <a:extLst>
+              <a:ext uri="{FF2B5EF4-FFF2-40B4-BE49-F238E27FC236}">
+                <a16:creationId xmlns:a16="http://schemas.microsoft.com/office/drawing/2014/main" id="{6AB71294-5164-D3C7-F185-E0843619CFC0}"/>
+              </a:ext>
+            </a:extLst>
+          </p:cNvPr>
+          <p:cNvCxnSpPr>
+            <a:stCxn id="44" idx="5"/>
+            <a:endCxn id="60" idx="0"/>
+          </p:cNvCxnSpPr>
+          <p:nvPr/>
+        </p:nvCxnSpPr>
+        <p:spPr>
+          <a:xfrm>
+            <a:off x="5693625" y="3019087"/>
+            <a:ext cx="191847" cy="294245"/>
+          </a:xfrm>
+          <a:prstGeom prst="straightConnector1">
+            <a:avLst/>
+          </a:prstGeom>
+          <a:ln w="12700">
+            <a:tailEnd type="triangle"/>
+          </a:ln>
+        </p:spPr>
+        <p:style>
+          <a:lnRef idx="1">
+            <a:schemeClr val="dk1"/>
+          </a:lnRef>
+          <a:fillRef idx="0">
+            <a:schemeClr val="dk1"/>
+          </a:fillRef>
+          <a:effectRef idx="0">
+            <a:schemeClr val="dk1"/>
+          </a:effectRef>
+          <a:fontRef idx="minor">
+            <a:schemeClr val="tx1"/>
+          </a:fontRef>
+        </p:style>
+      </p:cxnSp>
+      <p:cxnSp>
+        <p:nvCxnSpPr>
+          <p:cNvPr id="67" name="Suora nuoliyhdysviiva 66">
+            <a:extLst>
+              <a:ext uri="{FF2B5EF4-FFF2-40B4-BE49-F238E27FC236}">
+                <a16:creationId xmlns:a16="http://schemas.microsoft.com/office/drawing/2014/main" id="{373D1165-05DB-A21B-10B1-D032F1273CCF}"/>
+              </a:ext>
+            </a:extLst>
+          </p:cNvPr>
+          <p:cNvCxnSpPr>
+            <a:stCxn id="9" idx="3"/>
+            <a:endCxn id="16" idx="0"/>
+          </p:cNvCxnSpPr>
+          <p:nvPr/>
+        </p:nvCxnSpPr>
+        <p:spPr>
+          <a:xfrm flipH="1">
+            <a:off x="8138260" y="4048485"/>
+            <a:ext cx="211995" cy="275740"/>
+          </a:xfrm>
+          <a:prstGeom prst="straightConnector1">
+            <a:avLst/>
+          </a:prstGeom>
+          <a:ln w="12700">
+            <a:tailEnd type="triangle"/>
+          </a:ln>
+        </p:spPr>
+        <p:style>
+          <a:lnRef idx="1">
+            <a:schemeClr val="dk1"/>
+          </a:lnRef>
+          <a:fillRef idx="0">
+            <a:schemeClr val="dk1"/>
+          </a:fillRef>
+          <a:effectRef idx="0">
+            <a:schemeClr val="dk1"/>
+          </a:effectRef>
+          <a:fontRef idx="minor">
+            <a:schemeClr val="tx1"/>
+          </a:fontRef>
+        </p:style>
+      </p:cxnSp>
+      <p:cxnSp>
+        <p:nvCxnSpPr>
+          <p:cNvPr id="69" name="Suora nuoliyhdysviiva 68">
+            <a:extLst>
+              <a:ext uri="{FF2B5EF4-FFF2-40B4-BE49-F238E27FC236}">
+                <a16:creationId xmlns:a16="http://schemas.microsoft.com/office/drawing/2014/main" id="{806F4301-38CC-A1FA-5B7E-FCE0B877FD55}"/>
+              </a:ext>
+            </a:extLst>
+          </p:cNvPr>
+          <p:cNvCxnSpPr>
+            <a:stCxn id="9" idx="5"/>
+            <a:endCxn id="2" idx="0"/>
+          </p:cNvCxnSpPr>
+          <p:nvPr/>
+        </p:nvCxnSpPr>
+        <p:spPr>
+          <a:xfrm>
+            <a:off x="9197182" y="4048485"/>
+            <a:ext cx="176137" cy="275740"/>
+          </a:xfrm>
+          <a:prstGeom prst="straightConnector1">
+            <a:avLst/>
+          </a:prstGeom>
+          <a:ln w="12700">
+            <a:tailEnd type="triangle"/>
+          </a:ln>
+        </p:spPr>
+        <p:style>
+          <a:lnRef idx="1">
+            <a:schemeClr val="dk1"/>
+          </a:lnRef>
+          <a:fillRef idx="0">
+            <a:schemeClr val="dk1"/>
+          </a:fillRef>
+          <a:effectRef idx="0">
+            <a:schemeClr val="dk1"/>
+          </a:effectRef>
+          <a:fontRef idx="minor">
+            <a:schemeClr val="tx1"/>
+          </a:fontRef>
+        </p:style>
+      </p:cxnSp>
+    </p:spTree>
+    <p:extLst>
+      <p:ext uri="{BB962C8B-B14F-4D97-AF65-F5344CB8AC3E}">
+        <p14:creationId xmlns:p14="http://schemas.microsoft.com/office/powerpoint/2010/main" val="465072955"/>
       </p:ext>
     </p:extLst>
   </p:cSld>
@@ -7833,10 +11043,9 @@
           <a:p>
             <a:pPr algn="ctr"/>
             <a:r>
-              <a:rPr lang="fi-FI" sz="3600" dirty="0" smtClean="0"/>
+              <a:rPr lang="fi-FI" sz="3600" dirty="0"/>
               <a:t>99</a:t>
             </a:r>
-            <a:endParaRPr lang="fi-FI" sz="3600" dirty="0"/>
           </a:p>
         </p:txBody>
       </p:sp>
@@ -7875,10 +11084,9 @@
           <a:p>
             <a:pPr algn="ctr"/>
             <a:r>
-              <a:rPr lang="fi-FI" sz="3600" dirty="0" smtClean="0"/>
+              <a:rPr lang="fi-FI" sz="3600" dirty="0"/>
               <a:t>11</a:t>
             </a:r>
-            <a:endParaRPr lang="fi-FI" sz="3600" dirty="0"/>
           </a:p>
         </p:txBody>
       </p:sp>
@@ -7920,7 +11128,6 @@
               <a:rPr lang="fi-FI" sz="3600" dirty="0"/>
               <a:t>9</a:t>
             </a:r>
-            <a:endParaRPr lang="fi-FI" sz="3600" dirty="0"/>
           </a:p>
         </p:txBody>
       </p:sp>
@@ -8034,7 +11241,6 @@
               <a:rPr lang="fi-FI" sz="3600" dirty="0"/>
               <a:t>3</a:t>
             </a:r>
-            <a:endParaRPr lang="fi-FI" sz="3600" dirty="0"/>
           </a:p>
         </p:txBody>
       </p:sp>
@@ -8073,10 +11279,9 @@
           <a:p>
             <a:pPr algn="ctr"/>
             <a:r>
-              <a:rPr lang="fi-FI" sz="3600" dirty="0" smtClean="0"/>
+              <a:rPr lang="fi-FI" sz="3600" dirty="0"/>
               <a:t>3</a:t>
             </a:r>
-            <a:endParaRPr lang="fi-FI" sz="3600" dirty="0"/>
           </a:p>
         </p:txBody>
       </p:sp>
@@ -8217,10 +11422,9 @@
           <a:p>
             <a:pPr algn="ctr"/>
             <a:r>
-              <a:rPr lang="fi-FI" sz="3600" dirty="0" smtClean="0"/>
+              <a:rPr lang="fi-FI" sz="3600" dirty="0"/>
               <a:t>1000</a:t>
             </a:r>
-            <a:endParaRPr lang="fi-FI" sz="3600" dirty="0"/>
           </a:p>
         </p:txBody>
       </p:sp>
@@ -8259,10 +11463,9 @@
           <a:p>
             <a:pPr algn="ctr"/>
             <a:r>
-              <a:rPr lang="fi-FI" sz="3600" dirty="0" smtClean="0"/>
+              <a:rPr lang="fi-FI" sz="3600" dirty="0"/>
               <a:t>100</a:t>
             </a:r>
-            <a:endParaRPr lang="fi-FI" sz="3600" dirty="0"/>
           </a:p>
         </p:txBody>
       </p:sp>
@@ -8301,10 +11504,9 @@
           <a:p>
             <a:pPr algn="ctr"/>
             <a:r>
-              <a:rPr lang="fi-FI" sz="3600" dirty="0" smtClean="0"/>
+              <a:rPr lang="fi-FI" sz="3600" dirty="0"/>
               <a:t>10</a:t>
             </a:r>
-            <a:endParaRPr lang="fi-FI" sz="3600" dirty="0"/>
           </a:p>
         </p:txBody>
       </p:sp>
@@ -8415,7 +11617,7 @@
           <a:p>
             <a:pPr algn="ctr"/>
             <a:r>
-              <a:rPr lang="fi-FI" sz="3600" dirty="0" smtClean="0"/>
+              <a:rPr lang="fi-FI" sz="3600" dirty="0"/>
               <a:t>10</a:t>
             </a:r>
           </a:p>
@@ -8456,10 +11658,9 @@
           <a:p>
             <a:pPr algn="ctr"/>
             <a:r>
-              <a:rPr lang="fi-FI" sz="3600" dirty="0" smtClean="0"/>
+              <a:rPr lang="fi-FI" sz="3600" dirty="0"/>
               <a:t>5</a:t>
             </a:r>
-            <a:endParaRPr lang="fi-FI" sz="3600" dirty="0"/>
           </a:p>
         </p:txBody>
       </p:sp>
@@ -8501,7 +11702,6 @@
               <a:rPr lang="fi-FI" sz="3600" dirty="0"/>
               <a:t>2</a:t>
             </a:r>
-            <a:endParaRPr lang="fi-FI" sz="3600" dirty="0"/>
           </a:p>
         </p:txBody>
       </p:sp>
@@ -8540,10 +11740,9 @@
           <a:p>
             <a:pPr algn="ctr"/>
             <a:r>
-              <a:rPr lang="fi-FI" sz="3600" dirty="0" smtClean="0"/>
+              <a:rPr lang="fi-FI" sz="3600" dirty="0"/>
               <a:t>10</a:t>
             </a:r>
-            <a:endParaRPr lang="fi-FI" sz="3600" dirty="0"/>
           </a:p>
         </p:txBody>
       </p:sp>
@@ -8729,7 +11928,6 @@
               <a:rPr lang="fi-FI" sz="3600" dirty="0"/>
               <a:t>2</a:t>
             </a:r>
-            <a:endParaRPr lang="fi-FI" sz="3600" dirty="0"/>
           </a:p>
         </p:txBody>
       </p:sp>
@@ -8768,10 +11966,9 @@
           <a:p>
             <a:pPr algn="ctr"/>
             <a:r>
-              <a:rPr lang="fi-FI" sz="3600" dirty="0" smtClean="0"/>
+              <a:rPr lang="fi-FI" sz="3600" dirty="0"/>
               <a:t>5</a:t>
             </a:r>
-            <a:endParaRPr lang="fi-FI" sz="3600" dirty="0"/>
           </a:p>
         </p:txBody>
       </p:sp>
@@ -8882,10 +12079,9 @@
           <a:p>
             <a:pPr algn="ctr"/>
             <a:r>
-              <a:rPr lang="fi-FI" sz="3600" dirty="0" smtClean="0"/>
+              <a:rPr lang="fi-FI" sz="3600" dirty="0"/>
               <a:t>5</a:t>
             </a:r>
-            <a:endParaRPr lang="fi-FI" sz="3600" dirty="0"/>
           </a:p>
         </p:txBody>
       </p:sp>
@@ -8927,7 +12123,6 @@
               <a:rPr lang="fi-FI" sz="3600" dirty="0"/>
               <a:t>2</a:t>
             </a:r>
-            <a:endParaRPr lang="fi-FI" sz="3600" dirty="0"/>
           </a:p>
         </p:txBody>
       </p:sp>
@@ -9068,10 +12263,9 @@
           <a:p>
             <a:pPr algn="ctr"/>
             <a:r>
-              <a:rPr lang="fi-FI" sz="3600" dirty="0" smtClean="0"/>
-              <a:t>84</a:t>
-            </a:r>
-            <a:endParaRPr lang="fi-FI" sz="3600" dirty="0"/>
+              <a:rPr lang="fi-FI" sz="3200" dirty="0"/>
+              <a:t>900</a:t>
+            </a:r>
           </a:p>
         </p:txBody>
       </p:sp>
@@ -9110,10 +12304,9 @@
           <a:p>
             <a:pPr algn="ctr"/>
             <a:r>
-              <a:rPr lang="fi-FI" sz="3600" dirty="0" smtClean="0"/>
-              <a:t>21</a:t>
-            </a:r>
-            <a:endParaRPr lang="fi-FI" sz="3600" dirty="0"/>
+              <a:rPr lang="fi-FI" sz="3600" dirty="0"/>
+              <a:t>20</a:t>
+            </a:r>
           </a:p>
         </p:txBody>
       </p:sp>
@@ -9153,9 +12346,8 @@
             <a:pPr algn="ctr"/>
             <a:r>
               <a:rPr lang="fi-FI" sz="3600" dirty="0"/>
-              <a:t>4</a:t>
-            </a:r>
-            <a:endParaRPr lang="fi-FI" sz="3600" dirty="0"/>
+              <a:t>45</a:t>
+            </a:r>
           </a:p>
         </p:txBody>
       </p:sp>
@@ -9267,9 +12459,8 @@
             <a:pPr algn="ctr"/>
             <a:r>
               <a:rPr lang="fi-FI" sz="3600" dirty="0"/>
-              <a:t>7</a:t>
-            </a:r>
-            <a:endParaRPr lang="fi-FI" sz="3600" dirty="0" smtClean="0"/>
+              <a:t>4</a:t>
+            </a:r>
           </a:p>
         </p:txBody>
       </p:sp>
@@ -9309,9 +12500,8 @@
             <a:pPr algn="ctr"/>
             <a:r>
               <a:rPr lang="fi-FI" sz="3600" dirty="0"/>
-              <a:t>2</a:t>
-            </a:r>
-            <a:endParaRPr lang="fi-FI" sz="3600" dirty="0"/>
+              <a:t>15</a:t>
+            </a:r>
           </a:p>
         </p:txBody>
       </p:sp>
@@ -9351,9 +12541,8 @@
             <a:pPr algn="ctr"/>
             <a:r>
               <a:rPr lang="fi-FI" sz="3600" dirty="0"/>
-              <a:t>2</a:t>
-            </a:r>
-            <a:endParaRPr lang="fi-FI" sz="3600" dirty="0"/>
+              <a:t>5</a:t>
+            </a:r>
           </a:p>
         </p:txBody>
       </p:sp>
@@ -9393,9 +12582,8 @@
             <a:pPr algn="ctr"/>
             <a:r>
               <a:rPr lang="fi-FI" sz="3600" dirty="0"/>
-              <a:t>3</a:t>
-            </a:r>
-            <a:endParaRPr lang="fi-FI" sz="3600" dirty="0"/>
+              <a:t>5</a:t>
+            </a:r>
           </a:p>
         </p:txBody>
       </p:sp>
@@ -9579,9 +12767,8 @@
             <a:pPr algn="ctr"/>
             <a:r>
               <a:rPr lang="fi-FI" sz="3600" dirty="0"/>
-              <a:t>2</a:t>
-            </a:r>
-            <a:endParaRPr lang="fi-FI" sz="3600" dirty="0"/>
+              <a:t>5</a:t>
+            </a:r>
           </a:p>
         </p:txBody>
       </p:sp>
@@ -9621,9 +12808,8 @@
             <a:pPr algn="ctr"/>
             <a:r>
               <a:rPr lang="fi-FI" sz="3600" dirty="0"/>
-              <a:t>2</a:t>
-            </a:r>
-            <a:endParaRPr lang="fi-FI" sz="3600" dirty="0"/>
+              <a:t>3</a:t>
+            </a:r>
           </a:p>
         </p:txBody>
       </p:sp>
@@ -9737,7 +12923,6 @@
               <a:rPr lang="fi-FI" sz="3600" dirty="0"/>
               <a:t>2</a:t>
             </a:r>
-            <a:endParaRPr lang="fi-FI" sz="3600" dirty="0"/>
           </a:p>
         </p:txBody>
       </p:sp>
@@ -9779,7 +12964,6 @@
               <a:rPr lang="fi-FI" sz="3600" dirty="0"/>
               <a:t>2</a:t>
             </a:r>
-            <a:endParaRPr lang="fi-FI" sz="3600" dirty="0"/>
           </a:p>
         </p:txBody>
       </p:sp>
@@ -10010,10 +13194,9 @@
             <a:p>
               <a:pPr algn="ctr"/>
               <a:r>
-                <a:rPr lang="fi-FI" sz="3600" dirty="0" smtClean="0"/>
+                <a:rPr lang="fi-FI" sz="3600" dirty="0"/>
                 <a:t>21</a:t>
               </a:r>
-              <a:endParaRPr lang="fi-FI" sz="3600" dirty="0"/>
             </a:p>
           </p:txBody>
         </p:sp>
@@ -10124,10 +13307,9 @@
             <a:p>
               <a:pPr algn="ctr"/>
               <a:r>
-                <a:rPr lang="fi-FI" sz="3600" dirty="0" smtClean="0"/>
+                <a:rPr lang="fi-FI" sz="3600" dirty="0"/>
                 <a:t>5</a:t>
               </a:r>
-              <a:endParaRPr lang="fi-FI" sz="3600" dirty="0"/>
             </a:p>
           </p:txBody>
         </p:sp>
@@ -10457,7 +13639,10 @@
           <a:lstStyle/>
           <a:p>
             <a:pPr algn="ctr"/>
-            <a:endParaRPr lang="fi-FI" sz="3600" dirty="0"/>
+            <a:r>
+              <a:rPr lang="fi-FI" sz="3200" dirty="0"/>
+              <a:t>625</a:t>
+            </a:r>
           </a:p>
         </p:txBody>
       </p:sp>
@@ -10496,7 +13681,7 @@
           <a:p>
             <a:pPr algn="ctr"/>
             <a:r>
-              <a:rPr lang="fi-FI" sz="3200" dirty="0" smtClean="0"/>
+              <a:rPr lang="fi-FI" sz="3200" dirty="0"/>
               <a:t>125</a:t>
             </a:r>
             <a:endParaRPr lang="fi-FI" sz="3600" dirty="0"/>
@@ -10538,10 +13723,9 @@
           <a:p>
             <a:pPr algn="ctr"/>
             <a:r>
-              <a:rPr lang="fi-FI" sz="3600" dirty="0" smtClean="0"/>
+              <a:rPr lang="fi-FI" sz="3600" dirty="0"/>
               <a:t>5</a:t>
             </a:r>
-            <a:endParaRPr lang="fi-FI" sz="3600" dirty="0"/>
           </a:p>
         </p:txBody>
       </p:sp>
@@ -10651,7 +13835,10 @@
           <a:lstStyle/>
           <a:p>
             <a:pPr algn="ctr"/>
-            <a:endParaRPr lang="fi-FI" sz="3600" dirty="0"/>
+            <a:r>
+              <a:rPr lang="fi-FI" sz="3600" dirty="0"/>
+              <a:t>25</a:t>
+            </a:r>
           </a:p>
         </p:txBody>
       </p:sp>
@@ -10689,7 +13876,10 @@
           <a:lstStyle/>
           <a:p>
             <a:pPr algn="ctr"/>
-            <a:endParaRPr lang="fi-FI" sz="3600" dirty="0"/>
+            <a:r>
+              <a:rPr lang="fi-FI" sz="3600" dirty="0"/>
+              <a:t>5</a:t>
+            </a:r>
           </a:p>
         </p:txBody>
       </p:sp>
@@ -10727,7 +13917,10 @@
           <a:lstStyle/>
           <a:p>
             <a:pPr algn="ctr"/>
-            <a:endParaRPr lang="fi-FI" sz="3600" dirty="0"/>
+            <a:r>
+              <a:rPr lang="fi-FI" sz="3600" dirty="0"/>
+              <a:t>5</a:t>
+            </a:r>
           </a:p>
         </p:txBody>
       </p:sp>
@@ -10765,7 +13958,10 @@
           <a:lstStyle/>
           <a:p>
             <a:pPr algn="ctr"/>
-            <a:endParaRPr lang="fi-FI" sz="3600" dirty="0"/>
+            <a:r>
+              <a:rPr lang="fi-FI" sz="3600" dirty="0"/>
+              <a:t>5</a:t>
+            </a:r>
           </a:p>
         </p:txBody>
       </p:sp>
@@ -10978,10 +14174,9 @@
           <a:p>
             <a:pPr algn="ctr"/>
             <a:r>
-              <a:rPr lang="fi-FI" sz="3600" dirty="0" smtClean="0"/>
+              <a:rPr lang="fi-FI" sz="3600" dirty="0"/>
               <a:t>196</a:t>
             </a:r>
-            <a:endParaRPr lang="fi-FI" sz="3600" dirty="0"/>
           </a:p>
         </p:txBody>
       </p:sp>
@@ -11102,7 +14297,7 @@
             <a:p>
               <a:pPr algn="ctr"/>
               <a:r>
-                <a:rPr lang="fi-FI" sz="3200" dirty="0" smtClean="0"/>
+                <a:rPr lang="fi-FI" sz="3200" dirty="0"/>
                 <a:t>12</a:t>
               </a:r>
               <a:endParaRPr lang="fi-FI" sz="3600" dirty="0"/>
